--- a/lec/05-func.pptx
+++ b/lec/05-func.pptx
@@ -5,17 +5,22 @@
     <p:sldMasterId id="2147483648" r:id="rId1"/>
   </p:sldMasterIdLst>
   <p:notesMasterIdLst>
-    <p:notesMasterId r:id="rId10"/>
+    <p:notesMasterId r:id="rId15"/>
   </p:notesMasterIdLst>
   <p:sldIdLst>
     <p:sldId id="257" r:id="rId2"/>
-    <p:sldId id="263" r:id="rId3"/>
-    <p:sldId id="264" r:id="rId4"/>
-    <p:sldId id="260" r:id="rId5"/>
-    <p:sldId id="276" r:id="rId6"/>
-    <p:sldId id="262" r:id="rId7"/>
-    <p:sldId id="275" r:id="rId8"/>
-    <p:sldId id="274" r:id="rId9"/>
+    <p:sldId id="277" r:id="rId3"/>
+    <p:sldId id="261" r:id="rId4"/>
+    <p:sldId id="278" r:id="rId5"/>
+    <p:sldId id="279" r:id="rId6"/>
+    <p:sldId id="263" r:id="rId7"/>
+    <p:sldId id="264" r:id="rId8"/>
+    <p:sldId id="260" r:id="rId9"/>
+    <p:sldId id="276" r:id="rId10"/>
+    <p:sldId id="262" r:id="rId11"/>
+    <p:sldId id="275" r:id="rId12"/>
+    <p:sldId id="280" r:id="rId13"/>
+    <p:sldId id="274" r:id="rId14"/>
   </p:sldIdLst>
   <p:sldSz cx="12192000" cy="6858000"/>
   <p:notesSz cx="6858000" cy="9144000"/>
@@ -204,7 +209,7 @@
           <a:p>
             <a:fld id="{682224E2-7D14-7B4B-B1F3-04A8B3F4D232}" type="datetimeFigureOut">
               <a:rPr lang="en-US" smtClean="0"/>
-              <a:t>2/7/19</a:t>
+              <a:t>2/12/19</a:t>
             </a:fld>
             <a:endParaRPr lang="en-US"/>
           </a:p>
@@ -476,7 +481,7 @@
   <p:cSld>
     <p:spTree>
       <p:nvGrpSpPr>
-        <p:cNvPr id="1" name="Shape 134"/>
+        <p:cNvPr id="1" name="Shape 141"/>
         <p:cNvGrpSpPr/>
         <p:nvPr/>
       </p:nvGrpSpPr>
@@ -490,7 +495,7 @@
       </p:grpSpPr>
       <p:sp>
         <p:nvSpPr>
-          <p:cNvPr id="135" name="Google Shape;135;g1c75dad6a9_0_43:notes"/>
+          <p:cNvPr id="142" name="Google Shape;142;g26600f8794_0_4:notes"/>
           <p:cNvSpPr>
             <a:spLocks noGrp="1" noRot="1" noChangeAspect="1"/>
           </p:cNvSpPr>
@@ -531,7 +536,7 @@
       </p:sp>
       <p:sp>
         <p:nvSpPr>
-          <p:cNvPr id="136" name="Google Shape;136;g1c75dad6a9_0_43:notes"/>
+          <p:cNvPr id="143" name="Google Shape;143;g26600f8794_0_4:notes"/>
           <p:cNvSpPr txBox="1">
             <a:spLocks noGrp="1"/>
           </p:cNvSpPr>
@@ -570,7 +575,7 @@
     </p:spTree>
     <p:extLst>
       <p:ext uri="{BB962C8B-B14F-4D97-AF65-F5344CB8AC3E}">
-        <p14:creationId xmlns:p14="http://schemas.microsoft.com/office/powerpoint/2010/main" val="822573013"/>
+        <p14:creationId xmlns:p14="http://schemas.microsoft.com/office/powerpoint/2010/main" val="1936428039"/>
       </p:ext>
     </p:extLst>
   </p:cSld>
@@ -599,7 +604,7 @@
       </p:grpSpPr>
       <p:sp>
         <p:nvSpPr>
-          <p:cNvPr id="155" name="Google Shape;155;g1c75dad6a9_0_62:notes"/>
+          <p:cNvPr id="155" name="Google Shape;155;g26600f8794_0_16:notes"/>
           <p:cNvSpPr>
             <a:spLocks noGrp="1" noRot="1" noChangeAspect="1"/>
           </p:cNvSpPr>
@@ -640,7 +645,7 @@
       </p:sp>
       <p:sp>
         <p:nvSpPr>
-          <p:cNvPr id="156" name="Google Shape;156;g1c75dad6a9_0_62:notes"/>
+          <p:cNvPr id="156" name="Google Shape;156;g26600f8794_0_16:notes"/>
           <p:cNvSpPr txBox="1">
             <a:spLocks noGrp="1"/>
           </p:cNvSpPr>
@@ -679,7 +684,7 @@
     </p:spTree>
     <p:extLst>
       <p:ext uri="{BB962C8B-B14F-4D97-AF65-F5344CB8AC3E}">
-        <p14:creationId xmlns:p14="http://schemas.microsoft.com/office/powerpoint/2010/main" val="3227318037"/>
+        <p14:creationId xmlns:p14="http://schemas.microsoft.com/office/powerpoint/2010/main" val="2062409287"/>
       </p:ext>
     </p:extLst>
   </p:cSld>
@@ -694,7 +699,7 @@
   <p:cSld>
     <p:spTree>
       <p:nvGrpSpPr>
-        <p:cNvPr id="1" name="Shape 114"/>
+        <p:cNvPr id="1" name="Shape 167"/>
         <p:cNvGrpSpPr/>
         <p:nvPr/>
       </p:nvGrpSpPr>
@@ -708,7 +713,7 @@
       </p:grpSpPr>
       <p:sp>
         <p:nvSpPr>
-          <p:cNvPr id="115" name="Google Shape;115;g1c869dbbeb_0_9:notes"/>
+          <p:cNvPr id="168" name="Google Shape;168;g26600f8794_0_82:notes"/>
           <p:cNvSpPr>
             <a:spLocks noGrp="1" noRot="1" noChangeAspect="1"/>
           </p:cNvSpPr>
@@ -749,7 +754,7 @@
       </p:sp>
       <p:sp>
         <p:nvSpPr>
-          <p:cNvPr id="116" name="Google Shape;116;g1c869dbbeb_0_9:notes"/>
+          <p:cNvPr id="169" name="Google Shape;169;g26600f8794_0_82:notes"/>
           <p:cNvSpPr txBox="1">
             <a:spLocks noGrp="1"/>
           </p:cNvSpPr>
@@ -772,7 +777,7 @@
           </a:bodyPr>
           <a:lstStyle/>
           <a:p>
-            <a:pPr marL="0" lvl="0" indent="0" rtl="0">
+            <a:pPr marL="0" lvl="0" indent="0">
               <a:spcBef>
                 <a:spcPts val="0"/>
               </a:spcBef>
@@ -788,7 +793,7 @@
     </p:spTree>
     <p:extLst>
       <p:ext uri="{BB962C8B-B14F-4D97-AF65-F5344CB8AC3E}">
-        <p14:creationId xmlns:p14="http://schemas.microsoft.com/office/powerpoint/2010/main" val="1613335869"/>
+        <p14:creationId xmlns:p14="http://schemas.microsoft.com/office/powerpoint/2010/main" val="4194136991"/>
       </p:ext>
     </p:extLst>
   </p:cSld>
@@ -803,7 +808,7 @@
   <p:cSld>
     <p:spTree>
       <p:nvGrpSpPr>
-        <p:cNvPr id="1" name="Shape 126"/>
+        <p:cNvPr id="1" name="Shape 134"/>
         <p:cNvGrpSpPr/>
         <p:nvPr/>
       </p:nvGrpSpPr>
@@ -817,7 +822,7 @@
       </p:grpSpPr>
       <p:sp>
         <p:nvSpPr>
-          <p:cNvPr id="127" name="Google Shape;127;g1c760beeb0_0_4:notes"/>
+          <p:cNvPr id="135" name="Google Shape;135;g1c75dad6a9_0_43:notes"/>
           <p:cNvSpPr>
             <a:spLocks noGrp="1" noRot="1" noChangeAspect="1"/>
           </p:cNvSpPr>
@@ -858,7 +863,7 @@
       </p:sp>
       <p:sp>
         <p:nvSpPr>
-          <p:cNvPr id="128" name="Google Shape;128;g1c760beeb0_0_4:notes"/>
+          <p:cNvPr id="136" name="Google Shape;136;g1c75dad6a9_0_43:notes"/>
           <p:cNvSpPr txBox="1">
             <a:spLocks noGrp="1"/>
           </p:cNvSpPr>
@@ -897,6 +902,333 @@
     </p:spTree>
     <p:extLst>
       <p:ext uri="{BB962C8B-B14F-4D97-AF65-F5344CB8AC3E}">
+        <p14:creationId xmlns:p14="http://schemas.microsoft.com/office/powerpoint/2010/main" val="822573013"/>
+      </p:ext>
+    </p:extLst>
+  </p:cSld>
+  <p:clrMapOvr>
+    <a:masterClrMapping/>
+  </p:clrMapOvr>
+</p:notes>
+</file>
+
+<file path=ppt/notesSlides/notesSlide5.xml><?xml version="1.0" encoding="utf-8"?>
+<p:notes xmlns:a="http://schemas.openxmlformats.org/drawingml/2006/main" xmlns:r="http://schemas.openxmlformats.org/officeDocument/2006/relationships" xmlns:p="http://schemas.openxmlformats.org/presentationml/2006/main" showMasterSp="0" showMasterPhAnim="0">
+  <p:cSld>
+    <p:spTree>
+      <p:nvGrpSpPr>
+        <p:cNvPr id="1" name="Shape 154"/>
+        <p:cNvGrpSpPr/>
+        <p:nvPr/>
+      </p:nvGrpSpPr>
+      <p:grpSpPr>
+        <a:xfrm>
+          <a:off x="0" y="0"/>
+          <a:ext cx="0" cy="0"/>
+          <a:chOff x="0" y="0"/>
+          <a:chExt cx="0" cy="0"/>
+        </a:xfrm>
+      </p:grpSpPr>
+      <p:sp>
+        <p:nvSpPr>
+          <p:cNvPr id="155" name="Google Shape;155;g1c75dad6a9_0_62:notes"/>
+          <p:cNvSpPr>
+            <a:spLocks noGrp="1" noRot="1" noChangeAspect="1"/>
+          </p:cNvSpPr>
+          <p:nvPr>
+            <p:ph type="sldImg" idx="2"/>
+          </p:nvPr>
+        </p:nvSpPr>
+        <p:spPr>
+          <a:xfrm>
+            <a:off x="381000" y="685800"/>
+            <a:ext cx="6096000" cy="3429000"/>
+          </a:xfrm>
+          <a:custGeom>
+            <a:avLst/>
+            <a:gdLst/>
+            <a:ahLst/>
+            <a:cxnLst/>
+            <a:rect l="l" t="t" r="r" b="b"/>
+            <a:pathLst>
+              <a:path w="120000" h="120000" extrusionOk="0">
+                <a:moveTo>
+                  <a:pt x="0" y="0"/>
+                </a:moveTo>
+                <a:lnTo>
+                  <a:pt x="120000" y="0"/>
+                </a:lnTo>
+                <a:lnTo>
+                  <a:pt x="120000" y="120000"/>
+                </a:lnTo>
+                <a:lnTo>
+                  <a:pt x="0" y="120000"/>
+                </a:lnTo>
+                <a:close/>
+              </a:path>
+            </a:pathLst>
+          </a:custGeom>
+        </p:spPr>
+      </p:sp>
+      <p:sp>
+        <p:nvSpPr>
+          <p:cNvPr id="156" name="Google Shape;156;g1c75dad6a9_0_62:notes"/>
+          <p:cNvSpPr txBox="1">
+            <a:spLocks noGrp="1"/>
+          </p:cNvSpPr>
+          <p:nvPr>
+            <p:ph type="body" idx="1"/>
+          </p:nvPr>
+        </p:nvSpPr>
+        <p:spPr>
+          <a:xfrm>
+            <a:off x="685800" y="4343400"/>
+            <a:ext cx="5486400" cy="4114800"/>
+          </a:xfrm>
+          <a:prstGeom prst="rect">
+            <a:avLst/>
+          </a:prstGeom>
+        </p:spPr>
+        <p:txBody>
+          <a:bodyPr spcFirstLastPara="1" wrap="square" lIns="91425" tIns="91425" rIns="91425" bIns="91425" anchor="t" anchorCtr="0">
+            <a:noAutofit/>
+          </a:bodyPr>
+          <a:lstStyle/>
+          <a:p>
+            <a:pPr marL="0" lvl="0" indent="0" rtl="0">
+              <a:spcBef>
+                <a:spcPts val="0"/>
+              </a:spcBef>
+              <a:spcAft>
+                <a:spcPts val="0"/>
+              </a:spcAft>
+              <a:buNone/>
+            </a:pPr>
+            <a:endParaRPr/>
+          </a:p>
+        </p:txBody>
+      </p:sp>
+    </p:spTree>
+    <p:extLst>
+      <p:ext uri="{BB962C8B-B14F-4D97-AF65-F5344CB8AC3E}">
+        <p14:creationId xmlns:p14="http://schemas.microsoft.com/office/powerpoint/2010/main" val="3227318037"/>
+      </p:ext>
+    </p:extLst>
+  </p:cSld>
+  <p:clrMapOvr>
+    <a:masterClrMapping/>
+  </p:clrMapOvr>
+</p:notes>
+</file>
+
+<file path=ppt/notesSlides/notesSlide6.xml><?xml version="1.0" encoding="utf-8"?>
+<p:notes xmlns:a="http://schemas.openxmlformats.org/drawingml/2006/main" xmlns:r="http://schemas.openxmlformats.org/officeDocument/2006/relationships" xmlns:p="http://schemas.openxmlformats.org/presentationml/2006/main" showMasterSp="0" showMasterPhAnim="0">
+  <p:cSld>
+    <p:spTree>
+      <p:nvGrpSpPr>
+        <p:cNvPr id="1" name="Shape 114"/>
+        <p:cNvGrpSpPr/>
+        <p:nvPr/>
+      </p:nvGrpSpPr>
+      <p:grpSpPr>
+        <a:xfrm>
+          <a:off x="0" y="0"/>
+          <a:ext cx="0" cy="0"/>
+          <a:chOff x="0" y="0"/>
+          <a:chExt cx="0" cy="0"/>
+        </a:xfrm>
+      </p:grpSpPr>
+      <p:sp>
+        <p:nvSpPr>
+          <p:cNvPr id="115" name="Google Shape;115;g1c869dbbeb_0_9:notes"/>
+          <p:cNvSpPr>
+            <a:spLocks noGrp="1" noRot="1" noChangeAspect="1"/>
+          </p:cNvSpPr>
+          <p:nvPr>
+            <p:ph type="sldImg" idx="2"/>
+          </p:nvPr>
+        </p:nvSpPr>
+        <p:spPr>
+          <a:xfrm>
+            <a:off x="381000" y="685800"/>
+            <a:ext cx="6096000" cy="3429000"/>
+          </a:xfrm>
+          <a:custGeom>
+            <a:avLst/>
+            <a:gdLst/>
+            <a:ahLst/>
+            <a:cxnLst/>
+            <a:rect l="l" t="t" r="r" b="b"/>
+            <a:pathLst>
+              <a:path w="120000" h="120000" extrusionOk="0">
+                <a:moveTo>
+                  <a:pt x="0" y="0"/>
+                </a:moveTo>
+                <a:lnTo>
+                  <a:pt x="120000" y="0"/>
+                </a:lnTo>
+                <a:lnTo>
+                  <a:pt x="120000" y="120000"/>
+                </a:lnTo>
+                <a:lnTo>
+                  <a:pt x="0" y="120000"/>
+                </a:lnTo>
+                <a:close/>
+              </a:path>
+            </a:pathLst>
+          </a:custGeom>
+        </p:spPr>
+      </p:sp>
+      <p:sp>
+        <p:nvSpPr>
+          <p:cNvPr id="116" name="Google Shape;116;g1c869dbbeb_0_9:notes"/>
+          <p:cNvSpPr txBox="1">
+            <a:spLocks noGrp="1"/>
+          </p:cNvSpPr>
+          <p:nvPr>
+            <p:ph type="body" idx="1"/>
+          </p:nvPr>
+        </p:nvSpPr>
+        <p:spPr>
+          <a:xfrm>
+            <a:off x="685800" y="4343400"/>
+            <a:ext cx="5486400" cy="4114800"/>
+          </a:xfrm>
+          <a:prstGeom prst="rect">
+            <a:avLst/>
+          </a:prstGeom>
+        </p:spPr>
+        <p:txBody>
+          <a:bodyPr spcFirstLastPara="1" wrap="square" lIns="91425" tIns="91425" rIns="91425" bIns="91425" anchor="t" anchorCtr="0">
+            <a:noAutofit/>
+          </a:bodyPr>
+          <a:lstStyle/>
+          <a:p>
+            <a:pPr marL="0" lvl="0" indent="0" rtl="0">
+              <a:spcBef>
+                <a:spcPts val="0"/>
+              </a:spcBef>
+              <a:spcAft>
+                <a:spcPts val="0"/>
+              </a:spcAft>
+              <a:buNone/>
+            </a:pPr>
+            <a:endParaRPr/>
+          </a:p>
+        </p:txBody>
+      </p:sp>
+    </p:spTree>
+    <p:extLst>
+      <p:ext uri="{BB962C8B-B14F-4D97-AF65-F5344CB8AC3E}">
+        <p14:creationId xmlns:p14="http://schemas.microsoft.com/office/powerpoint/2010/main" val="1613335869"/>
+      </p:ext>
+    </p:extLst>
+  </p:cSld>
+  <p:clrMapOvr>
+    <a:masterClrMapping/>
+  </p:clrMapOvr>
+</p:notes>
+</file>
+
+<file path=ppt/notesSlides/notesSlide7.xml><?xml version="1.0" encoding="utf-8"?>
+<p:notes xmlns:a="http://schemas.openxmlformats.org/drawingml/2006/main" xmlns:r="http://schemas.openxmlformats.org/officeDocument/2006/relationships" xmlns:p="http://schemas.openxmlformats.org/presentationml/2006/main" showMasterSp="0" showMasterPhAnim="0">
+  <p:cSld>
+    <p:spTree>
+      <p:nvGrpSpPr>
+        <p:cNvPr id="1" name="Shape 126"/>
+        <p:cNvGrpSpPr/>
+        <p:nvPr/>
+      </p:nvGrpSpPr>
+      <p:grpSpPr>
+        <a:xfrm>
+          <a:off x="0" y="0"/>
+          <a:ext cx="0" cy="0"/>
+          <a:chOff x="0" y="0"/>
+          <a:chExt cx="0" cy="0"/>
+        </a:xfrm>
+      </p:grpSpPr>
+      <p:sp>
+        <p:nvSpPr>
+          <p:cNvPr id="127" name="Google Shape;127;g1c760beeb0_0_4:notes"/>
+          <p:cNvSpPr>
+            <a:spLocks noGrp="1" noRot="1" noChangeAspect="1"/>
+          </p:cNvSpPr>
+          <p:nvPr>
+            <p:ph type="sldImg" idx="2"/>
+          </p:nvPr>
+        </p:nvSpPr>
+        <p:spPr>
+          <a:xfrm>
+            <a:off x="381000" y="685800"/>
+            <a:ext cx="6096000" cy="3429000"/>
+          </a:xfrm>
+          <a:custGeom>
+            <a:avLst/>
+            <a:gdLst/>
+            <a:ahLst/>
+            <a:cxnLst/>
+            <a:rect l="l" t="t" r="r" b="b"/>
+            <a:pathLst>
+              <a:path w="120000" h="120000" extrusionOk="0">
+                <a:moveTo>
+                  <a:pt x="0" y="0"/>
+                </a:moveTo>
+                <a:lnTo>
+                  <a:pt x="120000" y="0"/>
+                </a:lnTo>
+                <a:lnTo>
+                  <a:pt x="120000" y="120000"/>
+                </a:lnTo>
+                <a:lnTo>
+                  <a:pt x="0" y="120000"/>
+                </a:lnTo>
+                <a:close/>
+              </a:path>
+            </a:pathLst>
+          </a:custGeom>
+        </p:spPr>
+      </p:sp>
+      <p:sp>
+        <p:nvSpPr>
+          <p:cNvPr id="128" name="Google Shape;128;g1c760beeb0_0_4:notes"/>
+          <p:cNvSpPr txBox="1">
+            <a:spLocks noGrp="1"/>
+          </p:cNvSpPr>
+          <p:nvPr>
+            <p:ph type="body" idx="1"/>
+          </p:nvPr>
+        </p:nvSpPr>
+        <p:spPr>
+          <a:xfrm>
+            <a:off x="685800" y="4343400"/>
+            <a:ext cx="5486400" cy="4114800"/>
+          </a:xfrm>
+          <a:prstGeom prst="rect">
+            <a:avLst/>
+          </a:prstGeom>
+        </p:spPr>
+        <p:txBody>
+          <a:bodyPr spcFirstLastPara="1" wrap="square" lIns="91425" tIns="91425" rIns="91425" bIns="91425" anchor="t" anchorCtr="0">
+            <a:noAutofit/>
+          </a:bodyPr>
+          <a:lstStyle/>
+          <a:p>
+            <a:pPr marL="0" lvl="0" indent="0" rtl="0">
+              <a:spcBef>
+                <a:spcPts val="0"/>
+              </a:spcBef>
+              <a:spcAft>
+                <a:spcPts val="0"/>
+              </a:spcAft>
+              <a:buNone/>
+            </a:pPr>
+            <a:endParaRPr/>
+          </a:p>
+        </p:txBody>
+      </p:sp>
+    </p:spTree>
+    <p:extLst>
+      <p:ext uri="{BB962C8B-B14F-4D97-AF65-F5344CB8AC3E}">
         <p14:creationId xmlns:p14="http://schemas.microsoft.com/office/powerpoint/2010/main" val="2558640767"/>
       </p:ext>
     </p:extLst>
@@ -907,7 +1239,7 @@
 </p:notes>
 </file>
 
-<file path=ppt/notesSlides/notesSlide5.xml><?xml version="1.0" encoding="utf-8"?>
+<file path=ppt/notesSlides/notesSlide8.xml><?xml version="1.0" encoding="utf-8"?>
 <p:notes xmlns:a="http://schemas.openxmlformats.org/drawingml/2006/main" xmlns:r="http://schemas.openxmlformats.org/officeDocument/2006/relationships" xmlns:p="http://schemas.openxmlformats.org/presentationml/2006/main" showMasterSp="0" showMasterPhAnim="0">
   <p:cSld>
     <p:spTree>
@@ -1163,7 +1495,7 @@
           <a:p>
             <a:fld id="{8153ADB8-CF42-7A47-8F8F-609599C2F6D6}" type="datetimeFigureOut">
               <a:rPr lang="en-US" smtClean="0"/>
-              <a:t>2/7/19</a:t>
+              <a:t>2/12/19</a:t>
             </a:fld>
             <a:endParaRPr lang="en-US"/>
           </a:p>
@@ -1361,7 +1693,7 @@
           <a:p>
             <a:fld id="{8153ADB8-CF42-7A47-8F8F-609599C2F6D6}" type="datetimeFigureOut">
               <a:rPr lang="en-US" smtClean="0"/>
-              <a:t>2/7/19</a:t>
+              <a:t>2/12/19</a:t>
             </a:fld>
             <a:endParaRPr lang="en-US"/>
           </a:p>
@@ -1569,7 +1901,7 @@
           <a:p>
             <a:fld id="{8153ADB8-CF42-7A47-8F8F-609599C2F6D6}" type="datetimeFigureOut">
               <a:rPr lang="en-US" smtClean="0"/>
-              <a:t>2/7/19</a:t>
+              <a:t>2/12/19</a:t>
             </a:fld>
             <a:endParaRPr lang="en-US"/>
           </a:p>
@@ -2228,7 +2560,7 @@
           <a:p>
             <a:fld id="{8153ADB8-CF42-7A47-8F8F-609599C2F6D6}" type="datetimeFigureOut">
               <a:rPr lang="en-US" smtClean="0"/>
-              <a:t>2/7/19</a:t>
+              <a:t>2/12/19</a:t>
             </a:fld>
             <a:endParaRPr lang="en-US"/>
           </a:p>
@@ -2503,7 +2835,7 @@
           <a:p>
             <a:fld id="{8153ADB8-CF42-7A47-8F8F-609599C2F6D6}" type="datetimeFigureOut">
               <a:rPr lang="en-US" smtClean="0"/>
-              <a:t>2/7/19</a:t>
+              <a:t>2/12/19</a:t>
             </a:fld>
             <a:endParaRPr lang="en-US"/>
           </a:p>
@@ -2768,7 +3100,7 @@
           <a:p>
             <a:fld id="{8153ADB8-CF42-7A47-8F8F-609599C2F6D6}" type="datetimeFigureOut">
               <a:rPr lang="en-US" smtClean="0"/>
-              <a:t>2/7/19</a:t>
+              <a:t>2/12/19</a:t>
             </a:fld>
             <a:endParaRPr lang="en-US"/>
           </a:p>
@@ -3180,7 +3512,7 @@
           <a:p>
             <a:fld id="{8153ADB8-CF42-7A47-8F8F-609599C2F6D6}" type="datetimeFigureOut">
               <a:rPr lang="en-US" smtClean="0"/>
-              <a:t>2/7/19</a:t>
+              <a:t>2/12/19</a:t>
             </a:fld>
             <a:endParaRPr lang="en-US"/>
           </a:p>
@@ -3329,7 +3661,7 @@
           <a:p>
             <a:fld id="{8153ADB8-CF42-7A47-8F8F-609599C2F6D6}" type="datetimeFigureOut">
               <a:rPr lang="en-US" smtClean="0"/>
-              <a:t>2/7/19</a:t>
+              <a:t>2/12/19</a:t>
             </a:fld>
             <a:endParaRPr lang="en-US"/>
           </a:p>
@@ -3442,7 +3774,7 @@
           <a:p>
             <a:fld id="{8153ADB8-CF42-7A47-8F8F-609599C2F6D6}" type="datetimeFigureOut">
               <a:rPr lang="en-US" smtClean="0"/>
-              <a:t>2/7/19</a:t>
+              <a:t>2/12/19</a:t>
             </a:fld>
             <a:endParaRPr lang="en-US"/>
           </a:p>
@@ -3753,7 +4085,7 @@
           <a:p>
             <a:fld id="{8153ADB8-CF42-7A47-8F8F-609599C2F6D6}" type="datetimeFigureOut">
               <a:rPr lang="en-US" smtClean="0"/>
-              <a:t>2/7/19</a:t>
+              <a:t>2/12/19</a:t>
             </a:fld>
             <a:endParaRPr lang="en-US"/>
           </a:p>
@@ -4041,7 +4373,7 @@
           <a:p>
             <a:fld id="{8153ADB8-CF42-7A47-8F8F-609599C2F6D6}" type="datetimeFigureOut">
               <a:rPr lang="en-US" smtClean="0"/>
-              <a:t>2/7/19</a:t>
+              <a:t>2/12/19</a:t>
             </a:fld>
             <a:endParaRPr lang="en-US"/>
           </a:p>
@@ -4282,7 +4614,7 @@
           <a:p>
             <a:fld id="{8153ADB8-CF42-7A47-8F8F-609599C2F6D6}" type="datetimeFigureOut">
               <a:rPr lang="en-US" smtClean="0"/>
-              <a:t>2/7/19</a:t>
+              <a:t>2/12/19</a:t>
             </a:fld>
             <a:endParaRPr lang="en-US"/>
           </a:p>
@@ -4779,18 +5111,7 @@
                 <a:latin typeface="Helvetica Neue Light" panose="02000403000000020004" pitchFamily="2" charset="0"/>
                 <a:ea typeface="Helvetica Neue Light" panose="02000403000000020004" pitchFamily="2" charset="0"/>
               </a:rPr>
-              <a:t>September </a:t>
-            </a:r>
-            <a:r>
-              <a:rPr lang="en-US" dirty="0"/>
-              <a:t>24</a:t>
-            </a:r>
-            <a:r>
-              <a:rPr lang="en-US" dirty="0">
-                <a:latin typeface="Helvetica Neue Light" panose="02000403000000020004" pitchFamily="2" charset="0"/>
-                <a:ea typeface="Helvetica Neue Light" panose="02000403000000020004" pitchFamily="2" charset="0"/>
-              </a:rPr>
-              <a:t>, 2018</a:t>
+              <a:t>February 7, 2019</a:t>
             </a:r>
           </a:p>
           <a:p>
@@ -4852,7 +5173,7 @@
           <a:p>
             <a:r>
               <a:rPr lang="en-US" dirty="0"/>
-              <a:t>9/24/18</a:t>
+              <a:t>2/7/19</a:t>
             </a:r>
           </a:p>
         </p:txBody>
@@ -4906,7 +5227,3628 @@
 </p:sld>
 </file>
 
+<file path=ppt/slides/slide10.xml><?xml version="1.0" encoding="utf-8"?>
+<p:sld xmlns:a="http://schemas.openxmlformats.org/drawingml/2006/main" xmlns:r="http://schemas.openxmlformats.org/officeDocument/2006/relationships" xmlns:p="http://schemas.openxmlformats.org/presentationml/2006/main">
+  <p:cSld>
+    <p:spTree>
+      <p:nvGrpSpPr>
+        <p:cNvPr id="1" name="Shape 129"/>
+        <p:cNvGrpSpPr/>
+        <p:nvPr/>
+      </p:nvGrpSpPr>
+      <p:grpSpPr>
+        <a:xfrm>
+          <a:off x="0" y="0"/>
+          <a:ext cx="0" cy="0"/>
+          <a:chOff x="0" y="0"/>
+          <a:chExt cx="0" cy="0"/>
+        </a:xfrm>
+      </p:grpSpPr>
+      <p:sp>
+        <p:nvSpPr>
+          <p:cNvPr id="130" name="Google Shape;130;p27"/>
+          <p:cNvSpPr txBox="1">
+            <a:spLocks noGrp="1"/>
+          </p:cNvSpPr>
+          <p:nvPr>
+            <p:ph type="title"/>
+          </p:nvPr>
+        </p:nvSpPr>
+        <p:spPr>
+          <a:xfrm>
+            <a:off x="609600" y="274637"/>
+            <a:ext cx="8940800" cy="901200"/>
+          </a:xfrm>
+          <a:prstGeom prst="rect">
+            <a:avLst/>
+          </a:prstGeom>
+        </p:spPr>
+        <p:txBody>
+          <a:bodyPr spcFirstLastPara="1" vert="horz" wrap="square" lIns="121900" tIns="121900" rIns="121900" bIns="121900" rtlCol="0" anchor="b" anchorCtr="0">
+            <a:noAutofit/>
+          </a:bodyPr>
+          <a:lstStyle/>
+          <a:p>
+            <a:r>
+              <a:rPr lang="en" dirty="0">
+                <a:latin typeface="+mj-lt"/>
+              </a:rPr>
+              <a:t>Group</a:t>
+            </a:r>
+            <a:endParaRPr dirty="0">
+              <a:latin typeface="+mj-lt"/>
+            </a:endParaRPr>
+          </a:p>
+        </p:txBody>
+      </p:sp>
+      <p:sp>
+        <p:nvSpPr>
+          <p:cNvPr id="131" name="Google Shape;131;p27"/>
+          <p:cNvSpPr txBox="1">
+            <a:spLocks noGrp="1"/>
+          </p:cNvSpPr>
+          <p:nvPr>
+            <p:ph type="body" idx="1"/>
+          </p:nvPr>
+        </p:nvSpPr>
+        <p:spPr>
+          <a:xfrm>
+            <a:off x="609600" y="1295400"/>
+            <a:ext cx="10972800" cy="4830800"/>
+          </a:xfrm>
+          <a:prstGeom prst="rect">
+            <a:avLst/>
+          </a:prstGeom>
+        </p:spPr>
+        <p:txBody>
+          <a:bodyPr spcFirstLastPara="1" vert="horz" wrap="square" lIns="121900" tIns="121900" rIns="121900" bIns="121900" rtlCol="0" anchor="t" anchorCtr="0">
+            <a:noAutofit/>
+          </a:bodyPr>
+          <a:lstStyle/>
+          <a:p>
+            <a:pPr marL="0" indent="0">
+              <a:buNone/>
+            </a:pPr>
+            <a:r>
+              <a:rPr lang="en"/>
+              <a:t>The </a:t>
+            </a:r>
+            <a:r>
+              <a:rPr lang="en" b="1">
+                <a:solidFill>
+                  <a:srgbClr val="3B7EA1"/>
+                </a:solidFill>
+                <a:latin typeface="Courier New"/>
+                <a:ea typeface="Courier New"/>
+                <a:cs typeface="Courier New"/>
+                <a:sym typeface="Courier New"/>
+              </a:rPr>
+              <a:t>group</a:t>
+            </a:r>
+            <a:r>
+              <a:rPr lang="en"/>
+              <a:t> method aggregates all rows with the same value for a column into a single row in the result</a:t>
+            </a:r>
+            <a:endParaRPr/>
+          </a:p>
+          <a:p>
+            <a:pPr>
+              <a:spcBef>
+                <a:spcPts val="533"/>
+              </a:spcBef>
+            </a:pPr>
+            <a:r>
+              <a:rPr lang="en"/>
+              <a:t>First argument: 		Which column to group by</a:t>
+            </a:r>
+            <a:endParaRPr/>
+          </a:p>
+          <a:p>
+            <a:r>
+              <a:rPr lang="en"/>
+              <a:t>Second argument: 	(Optional) How to combine values</a:t>
+            </a:r>
+            <a:endParaRPr/>
+          </a:p>
+          <a:p>
+            <a:pPr lvl="1">
+              <a:spcBef>
+                <a:spcPts val="0"/>
+              </a:spcBef>
+            </a:pPr>
+            <a:r>
+              <a:rPr lang="en" b="1">
+                <a:solidFill>
+                  <a:srgbClr val="3B7EA1"/>
+                </a:solidFill>
+                <a:latin typeface="Courier New"/>
+                <a:ea typeface="Courier New"/>
+                <a:cs typeface="Courier New"/>
+                <a:sym typeface="Courier New"/>
+              </a:rPr>
+              <a:t>len  </a:t>
+            </a:r>
+            <a:r>
+              <a:rPr lang="en"/>
+              <a:t>— number of grouped values (default)</a:t>
+            </a:r>
+            <a:endParaRPr/>
+          </a:p>
+          <a:p>
+            <a:pPr lvl="1">
+              <a:lnSpc>
+                <a:spcPct val="100000"/>
+              </a:lnSpc>
+              <a:spcBef>
+                <a:spcPts val="0"/>
+              </a:spcBef>
+            </a:pPr>
+            <a:r>
+              <a:rPr lang="en" b="1">
+                <a:solidFill>
+                  <a:srgbClr val="3B7EA1"/>
+                </a:solidFill>
+                <a:latin typeface="Courier New"/>
+                <a:ea typeface="Courier New"/>
+                <a:cs typeface="Courier New"/>
+                <a:sym typeface="Courier New"/>
+              </a:rPr>
+              <a:t>sum  </a:t>
+            </a:r>
+            <a:r>
+              <a:rPr lang="en"/>
+              <a:t>— total of all grouped values</a:t>
+            </a:r>
+            <a:endParaRPr/>
+          </a:p>
+          <a:p>
+            <a:pPr lvl="1">
+              <a:lnSpc>
+                <a:spcPct val="100000"/>
+              </a:lnSpc>
+              <a:spcBef>
+                <a:spcPts val="0"/>
+              </a:spcBef>
+            </a:pPr>
+            <a:r>
+              <a:rPr lang="en" b="1">
+                <a:solidFill>
+                  <a:srgbClr val="3B7EA1"/>
+                </a:solidFill>
+                <a:latin typeface="Courier New"/>
+                <a:ea typeface="Courier New"/>
+                <a:cs typeface="Courier New"/>
+                <a:sym typeface="Courier New"/>
+              </a:rPr>
+              <a:t>list </a:t>
+            </a:r>
+            <a:r>
+              <a:rPr lang="en"/>
+              <a:t>— list of all grouped values</a:t>
+            </a:r>
+            <a:endParaRPr/>
+          </a:p>
+        </p:txBody>
+      </p:sp>
+      <p:sp>
+        <p:nvSpPr>
+          <p:cNvPr id="132" name="Google Shape;132;p27"/>
+          <p:cNvSpPr txBox="1"/>
+          <p:nvPr/>
+        </p:nvSpPr>
+        <p:spPr>
+          <a:xfrm>
+            <a:off x="5018800" y="5170203"/>
+            <a:ext cx="2154400" cy="830800"/>
+          </a:xfrm>
+          <a:prstGeom prst="rect">
+            <a:avLst/>
+          </a:prstGeom>
+          <a:noFill/>
+          <a:ln>
+            <a:noFill/>
+          </a:ln>
+        </p:spPr>
+        <p:txBody>
+          <a:bodyPr spcFirstLastPara="1" wrap="square" lIns="121900" tIns="121900" rIns="121900" bIns="121900" anchor="t" anchorCtr="0">
+            <a:noAutofit/>
+          </a:bodyPr>
+          <a:lstStyle/>
+          <a:p>
+            <a:pPr algn="ctr"/>
+            <a:r>
+              <a:rPr lang="en" sz="3200">
+                <a:solidFill>
+                  <a:srgbClr val="3B7EA1"/>
+                </a:solidFill>
+              </a:rPr>
+              <a:t>(Demo)</a:t>
+            </a:r>
+            <a:endParaRPr sz="3200">
+              <a:solidFill>
+                <a:srgbClr val="3B7EA1"/>
+              </a:solidFill>
+            </a:endParaRPr>
+          </a:p>
+        </p:txBody>
+      </p:sp>
+    </p:spTree>
+    <p:extLst>
+      <p:ext uri="{BB962C8B-B14F-4D97-AF65-F5344CB8AC3E}">
+        <p14:creationId xmlns:p14="http://schemas.microsoft.com/office/powerpoint/2010/main" val="202644895"/>
+      </p:ext>
+    </p:extLst>
+  </p:cSld>
+  <p:clrMapOvr>
+    <a:masterClrMapping/>
+  </p:clrMapOvr>
+  <p:timing>
+    <p:tnLst>
+      <p:par>
+        <p:cTn id="1" dur="indefinite" restart="never" nodeType="tmRoot">
+          <p:childTnLst>
+            <p:seq concurrent="1" nextAc="seek">
+              <p:cTn id="2" dur="indefinite" nodeType="mainSeq">
+                <p:childTnLst>
+                  <p:par>
+                    <p:cTn id="3" fill="hold">
+                      <p:stCondLst>
+                        <p:cond delay="indefinite"/>
+                      </p:stCondLst>
+                      <p:childTnLst>
+                        <p:par>
+                          <p:cTn id="4" fill="hold">
+                            <p:stCondLst>
+                              <p:cond delay="0"/>
+                            </p:stCondLst>
+                            <p:childTnLst>
+                              <p:par>
+                                <p:cTn id="5" presetID="1" presetClass="entr" presetSubtype="0" fill="hold" nodeType="clickEffect">
+                                  <p:stCondLst>
+                                    <p:cond delay="0"/>
+                                  </p:stCondLst>
+                                  <p:childTnLst>
+                                    <p:set>
+                                      <p:cBhvr>
+                                        <p:cTn id="6" dur="1" fill="hold">
+                                          <p:stCondLst>
+                                            <p:cond delay="0"/>
+                                          </p:stCondLst>
+                                        </p:cTn>
+                                        <p:tgtEl>
+                                          <p:spTgt spid="131">
+                                            <p:txEl>
+                                              <p:pRg st="0" end="0"/>
+                                            </p:txEl>
+                                          </p:spTgt>
+                                        </p:tgtEl>
+                                        <p:attrNameLst>
+                                          <p:attrName>style.visibility</p:attrName>
+                                        </p:attrNameLst>
+                                      </p:cBhvr>
+                                      <p:to>
+                                        <p:strVal val="visible"/>
+                                      </p:to>
+                                    </p:set>
+                                  </p:childTnLst>
+                                </p:cTn>
+                              </p:par>
+                            </p:childTnLst>
+                          </p:cTn>
+                        </p:par>
+                      </p:childTnLst>
+                    </p:cTn>
+                  </p:par>
+                  <p:par>
+                    <p:cTn id="7" fill="hold">
+                      <p:stCondLst>
+                        <p:cond delay="indefinite"/>
+                      </p:stCondLst>
+                      <p:childTnLst>
+                        <p:par>
+                          <p:cTn id="8" fill="hold">
+                            <p:stCondLst>
+                              <p:cond delay="0"/>
+                            </p:stCondLst>
+                            <p:childTnLst>
+                              <p:par>
+                                <p:cTn id="9" presetID="1" presetClass="entr" presetSubtype="0" fill="hold" nodeType="clickEffect">
+                                  <p:stCondLst>
+                                    <p:cond delay="0"/>
+                                  </p:stCondLst>
+                                  <p:childTnLst>
+                                    <p:set>
+                                      <p:cBhvr>
+                                        <p:cTn id="10" dur="1" fill="hold">
+                                          <p:stCondLst>
+                                            <p:cond delay="0"/>
+                                          </p:stCondLst>
+                                        </p:cTn>
+                                        <p:tgtEl>
+                                          <p:spTgt spid="131">
+                                            <p:txEl>
+                                              <p:pRg st="1" end="1"/>
+                                            </p:txEl>
+                                          </p:spTgt>
+                                        </p:tgtEl>
+                                        <p:attrNameLst>
+                                          <p:attrName>style.visibility</p:attrName>
+                                        </p:attrNameLst>
+                                      </p:cBhvr>
+                                      <p:to>
+                                        <p:strVal val="visible"/>
+                                      </p:to>
+                                    </p:set>
+                                  </p:childTnLst>
+                                </p:cTn>
+                              </p:par>
+                            </p:childTnLst>
+                          </p:cTn>
+                        </p:par>
+                      </p:childTnLst>
+                    </p:cTn>
+                  </p:par>
+                  <p:par>
+                    <p:cTn id="11" fill="hold">
+                      <p:stCondLst>
+                        <p:cond delay="indefinite"/>
+                      </p:stCondLst>
+                      <p:childTnLst>
+                        <p:par>
+                          <p:cTn id="12" fill="hold">
+                            <p:stCondLst>
+                              <p:cond delay="0"/>
+                            </p:stCondLst>
+                            <p:childTnLst>
+                              <p:par>
+                                <p:cTn id="13" presetID="1" presetClass="entr" presetSubtype="0" fill="hold" nodeType="clickEffect">
+                                  <p:stCondLst>
+                                    <p:cond delay="0"/>
+                                  </p:stCondLst>
+                                  <p:childTnLst>
+                                    <p:set>
+                                      <p:cBhvr>
+                                        <p:cTn id="14" dur="1" fill="hold">
+                                          <p:stCondLst>
+                                            <p:cond delay="0"/>
+                                          </p:stCondLst>
+                                        </p:cTn>
+                                        <p:tgtEl>
+                                          <p:spTgt spid="131">
+                                            <p:txEl>
+                                              <p:pRg st="2" end="2"/>
+                                            </p:txEl>
+                                          </p:spTgt>
+                                        </p:tgtEl>
+                                        <p:attrNameLst>
+                                          <p:attrName>style.visibility</p:attrName>
+                                        </p:attrNameLst>
+                                      </p:cBhvr>
+                                      <p:to>
+                                        <p:strVal val="visible"/>
+                                      </p:to>
+                                    </p:set>
+                                  </p:childTnLst>
+                                </p:cTn>
+                              </p:par>
+                            </p:childTnLst>
+                          </p:cTn>
+                        </p:par>
+                      </p:childTnLst>
+                    </p:cTn>
+                  </p:par>
+                  <p:par>
+                    <p:cTn id="15" fill="hold">
+                      <p:stCondLst>
+                        <p:cond delay="indefinite"/>
+                      </p:stCondLst>
+                      <p:childTnLst>
+                        <p:par>
+                          <p:cTn id="16" fill="hold">
+                            <p:stCondLst>
+                              <p:cond delay="0"/>
+                            </p:stCondLst>
+                            <p:childTnLst>
+                              <p:par>
+                                <p:cTn id="17" presetID="1" presetClass="entr" presetSubtype="0" fill="hold" nodeType="clickEffect">
+                                  <p:stCondLst>
+                                    <p:cond delay="0"/>
+                                  </p:stCondLst>
+                                  <p:childTnLst>
+                                    <p:set>
+                                      <p:cBhvr>
+                                        <p:cTn id="18" dur="1" fill="hold">
+                                          <p:stCondLst>
+                                            <p:cond delay="0"/>
+                                          </p:stCondLst>
+                                        </p:cTn>
+                                        <p:tgtEl>
+                                          <p:spTgt spid="131">
+                                            <p:txEl>
+                                              <p:pRg st="3" end="3"/>
+                                            </p:txEl>
+                                          </p:spTgt>
+                                        </p:tgtEl>
+                                        <p:attrNameLst>
+                                          <p:attrName>style.visibility</p:attrName>
+                                        </p:attrNameLst>
+                                      </p:cBhvr>
+                                      <p:to>
+                                        <p:strVal val="visible"/>
+                                      </p:to>
+                                    </p:set>
+                                  </p:childTnLst>
+                                </p:cTn>
+                              </p:par>
+                            </p:childTnLst>
+                          </p:cTn>
+                        </p:par>
+                      </p:childTnLst>
+                    </p:cTn>
+                  </p:par>
+                  <p:par>
+                    <p:cTn id="19" fill="hold">
+                      <p:stCondLst>
+                        <p:cond delay="indefinite"/>
+                      </p:stCondLst>
+                      <p:childTnLst>
+                        <p:par>
+                          <p:cTn id="20" fill="hold">
+                            <p:stCondLst>
+                              <p:cond delay="0"/>
+                            </p:stCondLst>
+                            <p:childTnLst>
+                              <p:par>
+                                <p:cTn id="21" presetID="1" presetClass="entr" presetSubtype="0" fill="hold" nodeType="clickEffect">
+                                  <p:stCondLst>
+                                    <p:cond delay="0"/>
+                                  </p:stCondLst>
+                                  <p:childTnLst>
+                                    <p:set>
+                                      <p:cBhvr>
+                                        <p:cTn id="22" dur="1" fill="hold">
+                                          <p:stCondLst>
+                                            <p:cond delay="0"/>
+                                          </p:stCondLst>
+                                        </p:cTn>
+                                        <p:tgtEl>
+                                          <p:spTgt spid="131">
+                                            <p:txEl>
+                                              <p:pRg st="4" end="4"/>
+                                            </p:txEl>
+                                          </p:spTgt>
+                                        </p:tgtEl>
+                                        <p:attrNameLst>
+                                          <p:attrName>style.visibility</p:attrName>
+                                        </p:attrNameLst>
+                                      </p:cBhvr>
+                                      <p:to>
+                                        <p:strVal val="visible"/>
+                                      </p:to>
+                                    </p:set>
+                                  </p:childTnLst>
+                                </p:cTn>
+                              </p:par>
+                            </p:childTnLst>
+                          </p:cTn>
+                        </p:par>
+                      </p:childTnLst>
+                    </p:cTn>
+                  </p:par>
+                  <p:par>
+                    <p:cTn id="23" fill="hold">
+                      <p:stCondLst>
+                        <p:cond delay="indefinite"/>
+                      </p:stCondLst>
+                      <p:childTnLst>
+                        <p:par>
+                          <p:cTn id="24" fill="hold">
+                            <p:stCondLst>
+                              <p:cond delay="0"/>
+                            </p:stCondLst>
+                            <p:childTnLst>
+                              <p:par>
+                                <p:cTn id="25" presetID="1" presetClass="entr" presetSubtype="0" fill="hold" nodeType="clickEffect">
+                                  <p:stCondLst>
+                                    <p:cond delay="0"/>
+                                  </p:stCondLst>
+                                  <p:childTnLst>
+                                    <p:set>
+                                      <p:cBhvr>
+                                        <p:cTn id="26" dur="1" fill="hold">
+                                          <p:stCondLst>
+                                            <p:cond delay="0"/>
+                                          </p:stCondLst>
+                                        </p:cTn>
+                                        <p:tgtEl>
+                                          <p:spTgt spid="131">
+                                            <p:txEl>
+                                              <p:pRg st="5" end="5"/>
+                                            </p:txEl>
+                                          </p:spTgt>
+                                        </p:tgtEl>
+                                        <p:attrNameLst>
+                                          <p:attrName>style.visibility</p:attrName>
+                                        </p:attrNameLst>
+                                      </p:cBhvr>
+                                      <p:to>
+                                        <p:strVal val="visible"/>
+                                      </p:to>
+                                    </p:set>
+                                  </p:childTnLst>
+                                </p:cTn>
+                              </p:par>
+                            </p:childTnLst>
+                          </p:cTn>
+                        </p:par>
+                      </p:childTnLst>
+                    </p:cTn>
+                  </p:par>
+                  <p:par>
+                    <p:cTn id="27" fill="hold">
+                      <p:stCondLst>
+                        <p:cond delay="indefinite"/>
+                      </p:stCondLst>
+                      <p:childTnLst>
+                        <p:par>
+                          <p:cTn id="28" fill="hold">
+                            <p:stCondLst>
+                              <p:cond delay="0"/>
+                            </p:stCondLst>
+                            <p:childTnLst>
+                              <p:par>
+                                <p:cTn id="29" presetID="1" presetClass="entr" presetSubtype="0" fill="hold" nodeType="clickEffect">
+                                  <p:stCondLst>
+                                    <p:cond delay="0"/>
+                                  </p:stCondLst>
+                                  <p:childTnLst>
+                                    <p:set>
+                                      <p:cBhvr>
+                                        <p:cTn id="30" dur="1" fill="hold">
+                                          <p:stCondLst>
+                                            <p:cond delay="0"/>
+                                          </p:stCondLst>
+                                        </p:cTn>
+                                        <p:tgtEl>
+                                          <p:spTgt spid="132"/>
+                                        </p:tgtEl>
+                                        <p:attrNameLst>
+                                          <p:attrName>style.visibility</p:attrName>
+                                        </p:attrNameLst>
+                                      </p:cBhvr>
+                                      <p:to>
+                                        <p:strVal val="visible"/>
+                                      </p:to>
+                                    </p:set>
+                                  </p:childTnLst>
+                                </p:cTn>
+                              </p:par>
+                            </p:childTnLst>
+                          </p:cTn>
+                        </p:par>
+                      </p:childTnLst>
+                    </p:cTn>
+                  </p:par>
+                </p:childTnLst>
+              </p:cTn>
+              <p:prevCondLst>
+                <p:cond evt="onPrev" delay="0">
+                  <p:tgtEl>
+                    <p:sldTgt/>
+                  </p:tgtEl>
+                </p:cond>
+              </p:prevCondLst>
+              <p:nextCondLst>
+                <p:cond evt="onNext" delay="0">
+                  <p:tgtEl>
+                    <p:sldTgt/>
+                  </p:tgtEl>
+                </p:cond>
+              </p:nextCondLst>
+            </p:seq>
+          </p:childTnLst>
+        </p:cTn>
+      </p:par>
+    </p:tnLst>
+  </p:timing>
+</p:sld>
+</file>
+
+<file path=ppt/slides/slide11.xml><?xml version="1.0" encoding="utf-8"?>
+<p:sld xmlns:a="http://schemas.openxmlformats.org/drawingml/2006/main" xmlns:r="http://schemas.openxmlformats.org/officeDocument/2006/relationships" xmlns:p="http://schemas.openxmlformats.org/presentationml/2006/main">
+  <p:cSld>
+    <p:spTree>
+      <p:nvGrpSpPr>
+        <p:cNvPr id="1" name="Shape 136"/>
+        <p:cNvGrpSpPr/>
+        <p:nvPr/>
+      </p:nvGrpSpPr>
+      <p:grpSpPr>
+        <a:xfrm>
+          <a:off x="0" y="0"/>
+          <a:ext cx="0" cy="0"/>
+          <a:chOff x="0" y="0"/>
+          <a:chExt cx="0" cy="0"/>
+        </a:xfrm>
+      </p:grpSpPr>
+      <p:sp>
+        <p:nvSpPr>
+          <p:cNvPr id="137" name="Google Shape;137;p28"/>
+          <p:cNvSpPr txBox="1">
+            <a:spLocks noGrp="1"/>
+          </p:cNvSpPr>
+          <p:nvPr>
+            <p:ph type="title"/>
+          </p:nvPr>
+        </p:nvSpPr>
+        <p:spPr>
+          <a:xfrm>
+            <a:off x="609600" y="274637"/>
+            <a:ext cx="8940800" cy="901200"/>
+          </a:xfrm>
+          <a:prstGeom prst="rect">
+            <a:avLst/>
+          </a:prstGeom>
+        </p:spPr>
+        <p:txBody>
+          <a:bodyPr spcFirstLastPara="1" vert="horz" wrap="square" lIns="121900" tIns="121900" rIns="121900" bIns="121900" rtlCol="0" anchor="b" anchorCtr="0">
+            <a:noAutofit/>
+          </a:bodyPr>
+          <a:lstStyle/>
+          <a:p>
+            <a:r>
+              <a:rPr lang="en" dirty="0">
+                <a:latin typeface="+mj-lt"/>
+              </a:rPr>
+              <a:t>Grouping By Two Columns</a:t>
+            </a:r>
+            <a:endParaRPr dirty="0">
+              <a:latin typeface="+mj-lt"/>
+            </a:endParaRPr>
+          </a:p>
+        </p:txBody>
+      </p:sp>
+      <p:sp>
+        <p:nvSpPr>
+          <p:cNvPr id="138" name="Google Shape;138;p28"/>
+          <p:cNvSpPr txBox="1">
+            <a:spLocks noGrp="1"/>
+          </p:cNvSpPr>
+          <p:nvPr>
+            <p:ph type="body" idx="1"/>
+          </p:nvPr>
+        </p:nvSpPr>
+        <p:spPr>
+          <a:xfrm>
+            <a:off x="609600" y="1295400"/>
+            <a:ext cx="10972800" cy="4830800"/>
+          </a:xfrm>
+          <a:prstGeom prst="rect">
+            <a:avLst/>
+          </a:prstGeom>
+        </p:spPr>
+        <p:txBody>
+          <a:bodyPr spcFirstLastPara="1" vert="horz" wrap="square" lIns="121900" tIns="121900" rIns="121900" bIns="121900" rtlCol="0" anchor="t" anchorCtr="0">
+            <a:noAutofit/>
+          </a:bodyPr>
+          <a:lstStyle/>
+          <a:p>
+            <a:pPr marL="0" indent="0">
+              <a:buNone/>
+            </a:pPr>
+            <a:r>
+              <a:rPr lang="en"/>
+              <a:t>The </a:t>
+            </a:r>
+            <a:r>
+              <a:rPr lang="en" b="1">
+                <a:solidFill>
+                  <a:srgbClr val="3B7EA1"/>
+                </a:solidFill>
+                <a:latin typeface="Courier New"/>
+                <a:ea typeface="Courier New"/>
+                <a:cs typeface="Courier New"/>
+                <a:sym typeface="Courier New"/>
+              </a:rPr>
+              <a:t>group</a:t>
+            </a:r>
+            <a:r>
+              <a:rPr lang="en"/>
+              <a:t> method can also aggregate all rows that share the combination of values in multiple columns</a:t>
+            </a:r>
+            <a:endParaRPr/>
+          </a:p>
+          <a:p>
+            <a:pPr>
+              <a:spcBef>
+                <a:spcPts val="533"/>
+              </a:spcBef>
+            </a:pPr>
+            <a:r>
+              <a:rPr lang="en"/>
+              <a:t>First argument: 		A list of which columns to group by</a:t>
+            </a:r>
+            <a:endParaRPr/>
+          </a:p>
+          <a:p>
+            <a:r>
+              <a:rPr lang="en"/>
+              <a:t>Second argument: 	(Optional) How to combine values</a:t>
+            </a:r>
+            <a:endParaRPr/>
+          </a:p>
+        </p:txBody>
+      </p:sp>
+      <p:sp>
+        <p:nvSpPr>
+          <p:cNvPr id="139" name="Google Shape;139;p28"/>
+          <p:cNvSpPr txBox="1"/>
+          <p:nvPr/>
+        </p:nvSpPr>
+        <p:spPr>
+          <a:xfrm>
+            <a:off x="5018800" y="4154203"/>
+            <a:ext cx="2154400" cy="830800"/>
+          </a:xfrm>
+          <a:prstGeom prst="rect">
+            <a:avLst/>
+          </a:prstGeom>
+          <a:noFill/>
+          <a:ln>
+            <a:noFill/>
+          </a:ln>
+        </p:spPr>
+        <p:txBody>
+          <a:bodyPr spcFirstLastPara="1" wrap="square" lIns="121900" tIns="121900" rIns="121900" bIns="121900" anchor="t" anchorCtr="0">
+            <a:noAutofit/>
+          </a:bodyPr>
+          <a:lstStyle/>
+          <a:p>
+            <a:pPr algn="ctr"/>
+            <a:r>
+              <a:rPr lang="en" sz="3200">
+                <a:solidFill>
+                  <a:srgbClr val="3B7EA1"/>
+                </a:solidFill>
+              </a:rPr>
+              <a:t>(Demo)</a:t>
+            </a:r>
+            <a:endParaRPr sz="3200">
+              <a:solidFill>
+                <a:srgbClr val="3B7EA1"/>
+              </a:solidFill>
+            </a:endParaRPr>
+          </a:p>
+        </p:txBody>
+      </p:sp>
+    </p:spTree>
+    <p:extLst>
+      <p:ext uri="{BB962C8B-B14F-4D97-AF65-F5344CB8AC3E}">
+        <p14:creationId xmlns:p14="http://schemas.microsoft.com/office/powerpoint/2010/main" val="244796275"/>
+      </p:ext>
+    </p:extLst>
+  </p:cSld>
+  <p:clrMapOvr>
+    <a:masterClrMapping/>
+  </p:clrMapOvr>
+  <p:timing>
+    <p:tnLst>
+      <p:par>
+        <p:cTn id="1" dur="indefinite" restart="never" nodeType="tmRoot">
+          <p:childTnLst>
+            <p:seq concurrent="1" nextAc="seek">
+              <p:cTn id="2" dur="indefinite" nodeType="mainSeq">
+                <p:childTnLst>
+                  <p:par>
+                    <p:cTn id="3" fill="hold">
+                      <p:stCondLst>
+                        <p:cond delay="indefinite"/>
+                      </p:stCondLst>
+                      <p:childTnLst>
+                        <p:par>
+                          <p:cTn id="4" fill="hold">
+                            <p:stCondLst>
+                              <p:cond delay="0"/>
+                            </p:stCondLst>
+                            <p:childTnLst>
+                              <p:par>
+                                <p:cTn id="5" presetID="1" presetClass="entr" presetSubtype="0" fill="hold" nodeType="clickEffect">
+                                  <p:stCondLst>
+                                    <p:cond delay="0"/>
+                                  </p:stCondLst>
+                                  <p:childTnLst>
+                                    <p:set>
+                                      <p:cBhvr>
+                                        <p:cTn id="6" dur="1" fill="hold">
+                                          <p:stCondLst>
+                                            <p:cond delay="0"/>
+                                          </p:stCondLst>
+                                        </p:cTn>
+                                        <p:tgtEl>
+                                          <p:spTgt spid="138">
+                                            <p:txEl>
+                                              <p:pRg st="0" end="0"/>
+                                            </p:txEl>
+                                          </p:spTgt>
+                                        </p:tgtEl>
+                                        <p:attrNameLst>
+                                          <p:attrName>style.visibility</p:attrName>
+                                        </p:attrNameLst>
+                                      </p:cBhvr>
+                                      <p:to>
+                                        <p:strVal val="visible"/>
+                                      </p:to>
+                                    </p:set>
+                                  </p:childTnLst>
+                                </p:cTn>
+                              </p:par>
+                            </p:childTnLst>
+                          </p:cTn>
+                        </p:par>
+                      </p:childTnLst>
+                    </p:cTn>
+                  </p:par>
+                  <p:par>
+                    <p:cTn id="7" fill="hold">
+                      <p:stCondLst>
+                        <p:cond delay="indefinite"/>
+                      </p:stCondLst>
+                      <p:childTnLst>
+                        <p:par>
+                          <p:cTn id="8" fill="hold">
+                            <p:stCondLst>
+                              <p:cond delay="0"/>
+                            </p:stCondLst>
+                            <p:childTnLst>
+                              <p:par>
+                                <p:cTn id="9" presetID="1" presetClass="entr" presetSubtype="0" fill="hold" nodeType="clickEffect">
+                                  <p:stCondLst>
+                                    <p:cond delay="0"/>
+                                  </p:stCondLst>
+                                  <p:childTnLst>
+                                    <p:set>
+                                      <p:cBhvr>
+                                        <p:cTn id="10" dur="1" fill="hold">
+                                          <p:stCondLst>
+                                            <p:cond delay="0"/>
+                                          </p:stCondLst>
+                                        </p:cTn>
+                                        <p:tgtEl>
+                                          <p:spTgt spid="138">
+                                            <p:txEl>
+                                              <p:pRg st="1" end="1"/>
+                                            </p:txEl>
+                                          </p:spTgt>
+                                        </p:tgtEl>
+                                        <p:attrNameLst>
+                                          <p:attrName>style.visibility</p:attrName>
+                                        </p:attrNameLst>
+                                      </p:cBhvr>
+                                      <p:to>
+                                        <p:strVal val="visible"/>
+                                      </p:to>
+                                    </p:set>
+                                  </p:childTnLst>
+                                </p:cTn>
+                              </p:par>
+                            </p:childTnLst>
+                          </p:cTn>
+                        </p:par>
+                      </p:childTnLst>
+                    </p:cTn>
+                  </p:par>
+                  <p:par>
+                    <p:cTn id="11" fill="hold">
+                      <p:stCondLst>
+                        <p:cond delay="indefinite"/>
+                      </p:stCondLst>
+                      <p:childTnLst>
+                        <p:par>
+                          <p:cTn id="12" fill="hold">
+                            <p:stCondLst>
+                              <p:cond delay="0"/>
+                            </p:stCondLst>
+                            <p:childTnLst>
+                              <p:par>
+                                <p:cTn id="13" presetID="1" presetClass="entr" presetSubtype="0" fill="hold" nodeType="clickEffect">
+                                  <p:stCondLst>
+                                    <p:cond delay="0"/>
+                                  </p:stCondLst>
+                                  <p:childTnLst>
+                                    <p:set>
+                                      <p:cBhvr>
+                                        <p:cTn id="14" dur="1" fill="hold">
+                                          <p:stCondLst>
+                                            <p:cond delay="0"/>
+                                          </p:stCondLst>
+                                        </p:cTn>
+                                        <p:tgtEl>
+                                          <p:spTgt spid="138">
+                                            <p:txEl>
+                                              <p:pRg st="2" end="2"/>
+                                            </p:txEl>
+                                          </p:spTgt>
+                                        </p:tgtEl>
+                                        <p:attrNameLst>
+                                          <p:attrName>style.visibility</p:attrName>
+                                        </p:attrNameLst>
+                                      </p:cBhvr>
+                                      <p:to>
+                                        <p:strVal val="visible"/>
+                                      </p:to>
+                                    </p:set>
+                                  </p:childTnLst>
+                                </p:cTn>
+                              </p:par>
+                            </p:childTnLst>
+                          </p:cTn>
+                        </p:par>
+                      </p:childTnLst>
+                    </p:cTn>
+                  </p:par>
+                  <p:par>
+                    <p:cTn id="15" fill="hold">
+                      <p:stCondLst>
+                        <p:cond delay="indefinite"/>
+                      </p:stCondLst>
+                      <p:childTnLst>
+                        <p:par>
+                          <p:cTn id="16" fill="hold">
+                            <p:stCondLst>
+                              <p:cond delay="0"/>
+                            </p:stCondLst>
+                            <p:childTnLst>
+                              <p:par>
+                                <p:cTn id="17" presetID="1" presetClass="entr" presetSubtype="0" fill="hold" nodeType="clickEffect">
+                                  <p:stCondLst>
+                                    <p:cond delay="0"/>
+                                  </p:stCondLst>
+                                  <p:childTnLst>
+                                    <p:set>
+                                      <p:cBhvr>
+                                        <p:cTn id="18" dur="1" fill="hold">
+                                          <p:stCondLst>
+                                            <p:cond delay="0"/>
+                                          </p:stCondLst>
+                                        </p:cTn>
+                                        <p:tgtEl>
+                                          <p:spTgt spid="139"/>
+                                        </p:tgtEl>
+                                        <p:attrNameLst>
+                                          <p:attrName>style.visibility</p:attrName>
+                                        </p:attrNameLst>
+                                      </p:cBhvr>
+                                      <p:to>
+                                        <p:strVal val="visible"/>
+                                      </p:to>
+                                    </p:set>
+                                  </p:childTnLst>
+                                </p:cTn>
+                              </p:par>
+                            </p:childTnLst>
+                          </p:cTn>
+                        </p:par>
+                      </p:childTnLst>
+                    </p:cTn>
+                  </p:par>
+                </p:childTnLst>
+              </p:cTn>
+              <p:prevCondLst>
+                <p:cond evt="onPrev" delay="0">
+                  <p:tgtEl>
+                    <p:sldTgt/>
+                  </p:tgtEl>
+                </p:cond>
+              </p:prevCondLst>
+              <p:nextCondLst>
+                <p:cond evt="onNext" delay="0">
+                  <p:tgtEl>
+                    <p:sldTgt/>
+                  </p:tgtEl>
+                </p:cond>
+              </p:nextCondLst>
+            </p:seq>
+          </p:childTnLst>
+        </p:cTn>
+      </p:par>
+    </p:tnLst>
+  </p:timing>
+</p:sld>
+</file>
+
+<file path=ppt/slides/slide12.xml><?xml version="1.0" encoding="utf-8"?>
+<p:sld xmlns:a="http://schemas.openxmlformats.org/drawingml/2006/main" xmlns:r="http://schemas.openxmlformats.org/officeDocument/2006/relationships" xmlns:p="http://schemas.openxmlformats.org/presentationml/2006/main">
+  <p:cSld>
+    <p:spTree>
+      <p:nvGrpSpPr>
+        <p:cNvPr id="1" name=""/>
+        <p:cNvGrpSpPr/>
+        <p:nvPr/>
+      </p:nvGrpSpPr>
+      <p:grpSpPr>
+        <a:xfrm>
+          <a:off x="0" y="0"/>
+          <a:ext cx="0" cy="0"/>
+          <a:chOff x="0" y="0"/>
+          <a:chExt cx="0" cy="0"/>
+        </a:xfrm>
+      </p:grpSpPr>
+      <p:sp>
+        <p:nvSpPr>
+          <p:cNvPr id="2" name="Title 1">
+            <a:extLst>
+              <a:ext uri="{FF2B5EF4-FFF2-40B4-BE49-F238E27FC236}">
+                <a16:creationId xmlns:a16="http://schemas.microsoft.com/office/drawing/2014/main" id="{0C48F31E-1D8D-FA40-B7FD-D7E7E37F2563}"/>
+              </a:ext>
+            </a:extLst>
+          </p:cNvPr>
+          <p:cNvSpPr>
+            <a:spLocks noGrp="1"/>
+          </p:cNvSpPr>
+          <p:nvPr>
+            <p:ph type="title"/>
+          </p:nvPr>
+        </p:nvSpPr>
+        <p:spPr/>
+        <p:txBody>
+          <a:bodyPr>
+            <a:normAutofit fontScale="90000"/>
+          </a:bodyPr>
+          <a:lstStyle/>
+          <a:p>
+            <a:r>
+              <a:rPr lang="en-US" dirty="0"/>
+              <a:t>Survey on Dates </a:t>
+            </a:r>
+            <a:r>
+              <a:rPr lang="en-US"/>
+              <a:t>for Midterm #1</a:t>
+            </a:r>
+            <a:endParaRPr lang="en-US" dirty="0"/>
+          </a:p>
+        </p:txBody>
+      </p:sp>
+      <p:sp>
+        <p:nvSpPr>
+          <p:cNvPr id="3" name="Text Placeholder 2">
+            <a:extLst>
+              <a:ext uri="{FF2B5EF4-FFF2-40B4-BE49-F238E27FC236}">
+                <a16:creationId xmlns:a16="http://schemas.microsoft.com/office/drawing/2014/main" id="{1EC97389-BFC1-394F-9092-62DA217D7140}"/>
+              </a:ext>
+            </a:extLst>
+          </p:cNvPr>
+          <p:cNvSpPr>
+            <a:spLocks noGrp="1"/>
+          </p:cNvSpPr>
+          <p:nvPr>
+            <p:ph type="body" idx="1"/>
+          </p:nvPr>
+        </p:nvSpPr>
+        <p:spPr/>
+        <p:txBody>
+          <a:bodyPr>
+            <a:normAutofit/>
+          </a:bodyPr>
+          <a:lstStyle/>
+          <a:p>
+            <a:pPr marL="101598" indent="0" algn="ctr">
+              <a:buNone/>
+            </a:pPr>
+            <a:r>
+              <a:rPr lang="en-US" sz="4400" dirty="0">
+                <a:latin typeface="Courier" pitchFamily="2" charset="0"/>
+              </a:rPr>
+              <a:t>http://</a:t>
+            </a:r>
+            <a:r>
+              <a:rPr lang="en-US" sz="4400" dirty="0" err="1">
+                <a:latin typeface="Courier" pitchFamily="2" charset="0"/>
+              </a:rPr>
+              <a:t>bit.ly</a:t>
+            </a:r>
+            <a:r>
+              <a:rPr lang="en-US" sz="4400" dirty="0">
+                <a:latin typeface="Courier" pitchFamily="2" charset="0"/>
+              </a:rPr>
+              <a:t>/FoDS-s19-ms</a:t>
+            </a:r>
+          </a:p>
+        </p:txBody>
+      </p:sp>
+    </p:spTree>
+    <p:extLst>
+      <p:ext uri="{BB962C8B-B14F-4D97-AF65-F5344CB8AC3E}">
+        <p14:creationId xmlns:p14="http://schemas.microsoft.com/office/powerpoint/2010/main" val="1021663040"/>
+      </p:ext>
+    </p:extLst>
+  </p:cSld>
+  <p:clrMapOvr>
+    <a:masterClrMapping/>
+  </p:clrMapOvr>
+</p:sld>
+</file>
+
+<file path=ppt/slides/slide13.xml><?xml version="1.0" encoding="utf-8"?>
+<p:sld xmlns:a="http://schemas.openxmlformats.org/drawingml/2006/main" xmlns:r="http://schemas.openxmlformats.org/officeDocument/2006/relationships" xmlns:p="http://schemas.openxmlformats.org/presentationml/2006/main">
+  <p:cSld>
+    <p:spTree>
+      <p:nvGrpSpPr>
+        <p:cNvPr id="1" name=""/>
+        <p:cNvGrpSpPr/>
+        <p:nvPr/>
+      </p:nvGrpSpPr>
+      <p:grpSpPr>
+        <a:xfrm>
+          <a:off x="0" y="0"/>
+          <a:ext cx="0" cy="0"/>
+          <a:chOff x="0" y="0"/>
+          <a:chExt cx="0" cy="0"/>
+        </a:xfrm>
+      </p:grpSpPr>
+      <p:sp>
+        <p:nvSpPr>
+          <p:cNvPr id="2" name="Title 1">
+            <a:extLst>
+              <a:ext uri="{FF2B5EF4-FFF2-40B4-BE49-F238E27FC236}">
+                <a16:creationId xmlns:a16="http://schemas.microsoft.com/office/drawing/2014/main" id="{F21EFC3A-C237-424D-A4A0-7AFB55D6D316}"/>
+              </a:ext>
+            </a:extLst>
+          </p:cNvPr>
+          <p:cNvSpPr>
+            <a:spLocks noGrp="1"/>
+          </p:cNvSpPr>
+          <p:nvPr>
+            <p:ph type="title"/>
+          </p:nvPr>
+        </p:nvSpPr>
+        <p:spPr/>
+        <p:txBody>
+          <a:bodyPr/>
+          <a:lstStyle/>
+          <a:p>
+            <a:r>
+              <a:rPr lang="en-US" b="1" dirty="0"/>
+              <a:t>What’s next?</a:t>
+            </a:r>
+          </a:p>
+        </p:txBody>
+      </p:sp>
+      <p:sp>
+        <p:nvSpPr>
+          <p:cNvPr id="3" name="Content Placeholder 2">
+            <a:extLst>
+              <a:ext uri="{FF2B5EF4-FFF2-40B4-BE49-F238E27FC236}">
+                <a16:creationId xmlns:a16="http://schemas.microsoft.com/office/drawing/2014/main" id="{2D4D5E85-9BC7-9B40-993C-3FE5817CA190}"/>
+              </a:ext>
+            </a:extLst>
+          </p:cNvPr>
+          <p:cNvSpPr>
+            <a:spLocks noGrp="1"/>
+          </p:cNvSpPr>
+          <p:nvPr>
+            <p:ph idx="1"/>
+          </p:nvPr>
+        </p:nvSpPr>
+        <p:spPr/>
+        <p:txBody>
+          <a:bodyPr/>
+          <a:lstStyle/>
+          <a:p>
+            <a:r>
+              <a:rPr lang="en-US" dirty="0"/>
+              <a:t>Read Chapter 8-9 of </a:t>
+            </a:r>
+            <a:r>
+              <a:rPr lang="en-US" i="1" dirty="0">
+                <a:hlinkClick r:id="rId2"/>
+              </a:rPr>
+              <a:t>Computational and Inferential Thinking</a:t>
+            </a:r>
+            <a:endParaRPr lang="en-US" i="1" dirty="0"/>
+          </a:p>
+          <a:p>
+            <a:endParaRPr lang="en-US" i="1" dirty="0"/>
+          </a:p>
+          <a:p>
+            <a:r>
+              <a:rPr lang="en-US" dirty="0"/>
+              <a:t>Start working on Project 1</a:t>
+            </a:r>
+          </a:p>
+        </p:txBody>
+      </p:sp>
+    </p:spTree>
+    <p:extLst>
+      <p:ext uri="{BB962C8B-B14F-4D97-AF65-F5344CB8AC3E}">
+        <p14:creationId xmlns:p14="http://schemas.microsoft.com/office/powerpoint/2010/main" val="2267039461"/>
+      </p:ext>
+    </p:extLst>
+  </p:cSld>
+  <p:clrMapOvr>
+    <a:masterClrMapping/>
+  </p:clrMapOvr>
+</p:sld>
+</file>
+
 <file path=ppt/slides/slide2.xml><?xml version="1.0" encoding="utf-8"?>
+<p:sld xmlns:a="http://schemas.openxmlformats.org/drawingml/2006/main" xmlns:r="http://schemas.openxmlformats.org/officeDocument/2006/relationships" xmlns:p="http://schemas.openxmlformats.org/presentationml/2006/main">
+  <p:cSld>
+    <p:spTree>
+      <p:nvGrpSpPr>
+        <p:cNvPr id="1" name="Shape 144"/>
+        <p:cNvGrpSpPr/>
+        <p:nvPr/>
+      </p:nvGrpSpPr>
+      <p:grpSpPr>
+        <a:xfrm>
+          <a:off x="0" y="0"/>
+          <a:ext cx="0" cy="0"/>
+          <a:chOff x="0" y="0"/>
+          <a:chExt cx="0" cy="0"/>
+        </a:xfrm>
+      </p:grpSpPr>
+      <p:sp>
+        <p:nvSpPr>
+          <p:cNvPr id="145" name="Google Shape;145;p31"/>
+          <p:cNvSpPr txBox="1">
+            <a:spLocks noGrp="1"/>
+          </p:cNvSpPr>
+          <p:nvPr>
+            <p:ph type="title"/>
+          </p:nvPr>
+        </p:nvSpPr>
+        <p:spPr>
+          <a:xfrm>
+            <a:off x="609600" y="274637"/>
+            <a:ext cx="8940800" cy="901200"/>
+          </a:xfrm>
+          <a:prstGeom prst="rect">
+            <a:avLst/>
+          </a:prstGeom>
+        </p:spPr>
+        <p:txBody>
+          <a:bodyPr spcFirstLastPara="1" vert="horz" wrap="square" lIns="121900" tIns="121900" rIns="121900" bIns="121900" rtlCol="0" anchor="b" anchorCtr="0">
+            <a:noAutofit/>
+          </a:bodyPr>
+          <a:lstStyle/>
+          <a:p>
+            <a:r>
+              <a:rPr lang="en"/>
+              <a:t>Comparison Operators</a:t>
+            </a:r>
+            <a:endParaRPr/>
+          </a:p>
+        </p:txBody>
+      </p:sp>
+      <p:sp>
+        <p:nvSpPr>
+          <p:cNvPr id="146" name="Google Shape;146;p31"/>
+          <p:cNvSpPr txBox="1">
+            <a:spLocks noGrp="1"/>
+          </p:cNvSpPr>
+          <p:nvPr>
+            <p:ph type="body" idx="1"/>
+          </p:nvPr>
+        </p:nvSpPr>
+        <p:spPr>
+          <a:xfrm>
+            <a:off x="609600" y="1295400"/>
+            <a:ext cx="10972800" cy="4830800"/>
+          </a:xfrm>
+          <a:prstGeom prst="rect">
+            <a:avLst/>
+          </a:prstGeom>
+        </p:spPr>
+        <p:txBody>
+          <a:bodyPr spcFirstLastPara="1" vert="horz" wrap="square" lIns="121900" tIns="121900" rIns="121900" bIns="121900" rtlCol="0" anchor="t" anchorCtr="0">
+            <a:noAutofit/>
+          </a:bodyPr>
+          <a:lstStyle/>
+          <a:p>
+            <a:pPr marL="0" indent="0">
+              <a:buNone/>
+            </a:pPr>
+            <a:r>
+              <a:rPr lang="en"/>
+              <a:t>The result of a comparison expression is a </a:t>
+            </a:r>
+            <a:r>
+              <a:rPr lang="en" b="1">
+                <a:solidFill>
+                  <a:srgbClr val="0000FF"/>
+                </a:solidFill>
+                <a:latin typeface="Courier New"/>
+                <a:ea typeface="Courier New"/>
+                <a:cs typeface="Courier New"/>
+                <a:sym typeface="Courier New"/>
+              </a:rPr>
+              <a:t>bool</a:t>
+            </a:r>
+            <a:r>
+              <a:rPr lang="en"/>
+              <a:t> value</a:t>
+            </a:r>
+            <a:endParaRPr/>
+          </a:p>
+          <a:p>
+            <a:pPr marL="0" indent="0">
+              <a:spcBef>
+                <a:spcPts val="533"/>
+              </a:spcBef>
+              <a:buNone/>
+            </a:pPr>
+            <a:endParaRPr sz="2667" b="1">
+              <a:latin typeface="Courier New"/>
+              <a:ea typeface="Courier New"/>
+              <a:cs typeface="Courier New"/>
+              <a:sym typeface="Courier New"/>
+            </a:endParaRPr>
+          </a:p>
+          <a:p>
+            <a:pPr marL="0" indent="0">
+              <a:spcBef>
+                <a:spcPts val="533"/>
+              </a:spcBef>
+              <a:buNone/>
+            </a:pPr>
+            <a:r>
+              <a:rPr lang="en" sz="2667" b="1">
+                <a:latin typeface="Courier New"/>
+                <a:ea typeface="Courier New"/>
+                <a:cs typeface="Courier New"/>
+                <a:sym typeface="Courier New"/>
+              </a:rPr>
+              <a:t>	x = 2           y = 3</a:t>
+            </a:r>
+            <a:endParaRPr sz="2667" b="1">
+              <a:latin typeface="Courier New"/>
+              <a:ea typeface="Courier New"/>
+              <a:cs typeface="Courier New"/>
+              <a:sym typeface="Courier New"/>
+            </a:endParaRPr>
+          </a:p>
+          <a:p>
+            <a:pPr marL="0" indent="0">
+              <a:spcBef>
+                <a:spcPts val="533"/>
+              </a:spcBef>
+              <a:buNone/>
+            </a:pPr>
+            <a:endParaRPr sz="2667" b="1">
+              <a:latin typeface="Courier New"/>
+              <a:ea typeface="Courier New"/>
+              <a:cs typeface="Courier New"/>
+              <a:sym typeface="Courier New"/>
+            </a:endParaRPr>
+          </a:p>
+          <a:p>
+            <a:pPr marL="0" indent="0">
+              <a:spcBef>
+                <a:spcPts val="533"/>
+              </a:spcBef>
+              <a:buNone/>
+            </a:pPr>
+            <a:r>
+              <a:rPr lang="en" sz="2667" b="1">
+                <a:latin typeface="Courier New"/>
+                <a:ea typeface="Courier New"/>
+                <a:cs typeface="Courier New"/>
+                <a:sym typeface="Courier New"/>
+              </a:rPr>
+              <a:t>	x &gt; 1           x &gt; y          y &gt;= 3     </a:t>
+            </a:r>
+            <a:endParaRPr sz="2667" b="1">
+              <a:latin typeface="Courier New"/>
+              <a:ea typeface="Courier New"/>
+              <a:cs typeface="Courier New"/>
+              <a:sym typeface="Courier New"/>
+            </a:endParaRPr>
+          </a:p>
+          <a:p>
+            <a:pPr marL="0" indent="0">
+              <a:spcBef>
+                <a:spcPts val="533"/>
+              </a:spcBef>
+              <a:buNone/>
+            </a:pPr>
+            <a:endParaRPr sz="2667" b="1">
+              <a:latin typeface="Courier New"/>
+              <a:ea typeface="Courier New"/>
+              <a:cs typeface="Courier New"/>
+              <a:sym typeface="Courier New"/>
+            </a:endParaRPr>
+          </a:p>
+          <a:p>
+            <a:pPr marL="0" indent="0">
+              <a:spcBef>
+                <a:spcPts val="533"/>
+              </a:spcBef>
+              <a:spcAft>
+                <a:spcPts val="533"/>
+              </a:spcAft>
+              <a:buNone/>
+            </a:pPr>
+            <a:r>
+              <a:rPr lang="en" sz="2667" b="1">
+                <a:latin typeface="Courier New"/>
+                <a:ea typeface="Courier New"/>
+                <a:cs typeface="Courier New"/>
+                <a:sym typeface="Courier New"/>
+              </a:rPr>
+              <a:t>   x == y          x != 2         2 &lt; x &lt; 5</a:t>
+            </a:r>
+            <a:endParaRPr sz="2667" b="1">
+              <a:latin typeface="Courier New"/>
+              <a:ea typeface="Courier New"/>
+              <a:cs typeface="Courier New"/>
+              <a:sym typeface="Courier New"/>
+            </a:endParaRPr>
+          </a:p>
+        </p:txBody>
+      </p:sp>
+      <p:grpSp>
+        <p:nvGrpSpPr>
+          <p:cNvPr id="147" name="Google Shape;147;p31"/>
+          <p:cNvGrpSpPr/>
+          <p:nvPr/>
+        </p:nvGrpSpPr>
+        <p:grpSpPr>
+          <a:xfrm>
+            <a:off x="1376533" y="2211410"/>
+            <a:ext cx="7406933" cy="612000"/>
+            <a:chOff x="889125" y="1797350"/>
+            <a:chExt cx="5555200" cy="459000"/>
+          </a:xfrm>
+        </p:grpSpPr>
+        <p:sp>
+          <p:nvSpPr>
+            <p:cNvPr id="148" name="Google Shape;148;p31"/>
+            <p:cNvSpPr/>
+            <p:nvPr/>
+          </p:nvSpPr>
+          <p:spPr>
+            <a:xfrm>
+              <a:off x="889125" y="1797350"/>
+              <a:ext cx="3489600" cy="459000"/>
+            </a:xfrm>
+            <a:prstGeom prst="roundRect">
+              <a:avLst>
+                <a:gd name="adj" fmla="val 16667"/>
+              </a:avLst>
+            </a:prstGeom>
+            <a:noFill/>
+            <a:ln w="19050" cap="flat" cmpd="sng">
+              <a:solidFill>
+                <a:srgbClr val="007DD6"/>
+              </a:solidFill>
+              <a:prstDash val="dash"/>
+              <a:round/>
+              <a:headEnd type="none" w="sm" len="sm"/>
+              <a:tailEnd type="none" w="sm" len="sm"/>
+            </a:ln>
+          </p:spPr>
+          <p:txBody>
+            <a:bodyPr spcFirstLastPara="1" wrap="square" lIns="121900" tIns="121900" rIns="121900" bIns="121900" anchor="ctr" anchorCtr="0">
+              <a:noAutofit/>
+            </a:bodyPr>
+            <a:lstStyle/>
+            <a:p>
+              <a:endParaRPr sz="2400"/>
+            </a:p>
+          </p:txBody>
+        </p:sp>
+        <p:sp>
+          <p:nvSpPr>
+            <p:cNvPr id="149" name="Google Shape;149;p31"/>
+            <p:cNvSpPr txBox="1"/>
+            <p:nvPr/>
+          </p:nvSpPr>
+          <p:spPr>
+            <a:xfrm>
+              <a:off x="4407925" y="1817046"/>
+              <a:ext cx="2036400" cy="372900"/>
+            </a:xfrm>
+            <a:prstGeom prst="rect">
+              <a:avLst/>
+            </a:prstGeom>
+            <a:noFill/>
+            <a:ln>
+              <a:noFill/>
+            </a:ln>
+          </p:spPr>
+          <p:txBody>
+            <a:bodyPr spcFirstLastPara="1" wrap="square" lIns="121900" tIns="121900" rIns="121900" bIns="121900" anchor="t" anchorCtr="0">
+              <a:noAutofit/>
+            </a:bodyPr>
+            <a:lstStyle/>
+            <a:p>
+              <a:r>
+                <a:rPr lang="en" sz="2400"/>
+                <a:t>Assignment statements</a:t>
+              </a:r>
+              <a:endParaRPr sz="2400"/>
+            </a:p>
+          </p:txBody>
+        </p:sp>
+      </p:grpSp>
+      <p:grpSp>
+        <p:nvGrpSpPr>
+          <p:cNvPr id="150" name="Google Shape;150;p31"/>
+          <p:cNvGrpSpPr/>
+          <p:nvPr/>
+        </p:nvGrpSpPr>
+        <p:grpSpPr>
+          <a:xfrm>
+            <a:off x="1152844" y="3204405"/>
+            <a:ext cx="10606095" cy="1540800"/>
+            <a:chOff x="889125" y="2515524"/>
+            <a:chExt cx="7954571" cy="1155600"/>
+          </a:xfrm>
+        </p:grpSpPr>
+        <p:sp>
+          <p:nvSpPr>
+            <p:cNvPr id="151" name="Google Shape;151;p31"/>
+            <p:cNvSpPr/>
+            <p:nvPr/>
+          </p:nvSpPr>
+          <p:spPr>
+            <a:xfrm>
+              <a:off x="889125" y="2515524"/>
+              <a:ext cx="6376800" cy="1155600"/>
+            </a:xfrm>
+            <a:prstGeom prst="roundRect">
+              <a:avLst>
+                <a:gd name="adj" fmla="val 16667"/>
+              </a:avLst>
+            </a:prstGeom>
+            <a:noFill/>
+            <a:ln w="19050" cap="flat" cmpd="sng">
+              <a:solidFill>
+                <a:srgbClr val="007DD6"/>
+              </a:solidFill>
+              <a:prstDash val="dash"/>
+              <a:round/>
+              <a:headEnd type="none" w="sm" len="sm"/>
+              <a:tailEnd type="none" w="sm" len="sm"/>
+            </a:ln>
+          </p:spPr>
+          <p:txBody>
+            <a:bodyPr spcFirstLastPara="1" wrap="square" lIns="121900" tIns="121900" rIns="121900" bIns="121900" anchor="ctr" anchorCtr="0">
+              <a:noAutofit/>
+            </a:bodyPr>
+            <a:lstStyle/>
+            <a:p>
+              <a:endParaRPr sz="2400"/>
+            </a:p>
+          </p:txBody>
+        </p:sp>
+        <p:sp>
+          <p:nvSpPr>
+            <p:cNvPr id="152" name="Google Shape;152;p31"/>
+            <p:cNvSpPr txBox="1"/>
+            <p:nvPr/>
+          </p:nvSpPr>
+          <p:spPr>
+            <a:xfrm>
+              <a:off x="7313996" y="2787011"/>
+              <a:ext cx="1529700" cy="615600"/>
+            </a:xfrm>
+            <a:prstGeom prst="rect">
+              <a:avLst/>
+            </a:prstGeom>
+            <a:noFill/>
+            <a:ln>
+              <a:noFill/>
+            </a:ln>
+          </p:spPr>
+          <p:txBody>
+            <a:bodyPr spcFirstLastPara="1" wrap="square" lIns="121900" tIns="121900" rIns="121900" bIns="121900" anchor="t" anchorCtr="0">
+              <a:noAutofit/>
+            </a:bodyPr>
+            <a:lstStyle/>
+            <a:p>
+              <a:r>
+                <a:rPr lang="en" sz="2400"/>
+                <a:t>Comparison expressions</a:t>
+              </a:r>
+              <a:endParaRPr sz="2400"/>
+            </a:p>
+          </p:txBody>
+        </p:sp>
+      </p:grpSp>
+      <p:sp>
+        <p:nvSpPr>
+          <p:cNvPr id="153" name="Google Shape;153;p31"/>
+          <p:cNvSpPr txBox="1"/>
+          <p:nvPr/>
+        </p:nvSpPr>
+        <p:spPr>
+          <a:xfrm>
+            <a:off x="5176800" y="5126200"/>
+            <a:ext cx="1838400" cy="1000000"/>
+          </a:xfrm>
+          <a:prstGeom prst="rect">
+            <a:avLst/>
+          </a:prstGeom>
+          <a:noFill/>
+          <a:ln>
+            <a:noFill/>
+          </a:ln>
+        </p:spPr>
+        <p:txBody>
+          <a:bodyPr spcFirstLastPara="1" wrap="square" lIns="121900" tIns="121900" rIns="121900" bIns="121900" anchor="ctr" anchorCtr="0">
+            <a:noAutofit/>
+          </a:bodyPr>
+          <a:lstStyle/>
+          <a:p>
+            <a:pPr algn="ctr"/>
+            <a:r>
+              <a:rPr lang="en" sz="3200">
+                <a:solidFill>
+                  <a:srgbClr val="3B7EA1"/>
+                </a:solidFill>
+              </a:rPr>
+              <a:t>(Demo)</a:t>
+            </a:r>
+            <a:endParaRPr sz="3200">
+              <a:solidFill>
+                <a:srgbClr val="3B7EA1"/>
+              </a:solidFill>
+            </a:endParaRPr>
+          </a:p>
+        </p:txBody>
+      </p:sp>
+    </p:spTree>
+    <p:extLst>
+      <p:ext uri="{BB962C8B-B14F-4D97-AF65-F5344CB8AC3E}">
+        <p14:creationId xmlns:p14="http://schemas.microsoft.com/office/powerpoint/2010/main" val="3052921367"/>
+      </p:ext>
+    </p:extLst>
+  </p:cSld>
+  <p:clrMapOvr>
+    <a:masterClrMapping/>
+  </p:clrMapOvr>
+</p:sld>
+</file>
+
+<file path=ppt/slides/slide3.xml><?xml version="1.0" encoding="utf-8"?>
+<p:sld xmlns:a="http://schemas.openxmlformats.org/drawingml/2006/main" xmlns:r="http://schemas.openxmlformats.org/officeDocument/2006/relationships" xmlns:p="http://schemas.openxmlformats.org/presentationml/2006/main">
+  <p:cSld>
+    <p:spTree>
+      <p:nvGrpSpPr>
+        <p:cNvPr id="1" name="Shape 157"/>
+        <p:cNvGrpSpPr/>
+        <p:nvPr/>
+      </p:nvGrpSpPr>
+      <p:grpSpPr>
+        <a:xfrm>
+          <a:off x="0" y="0"/>
+          <a:ext cx="0" cy="0"/>
+          <a:chOff x="0" y="0"/>
+          <a:chExt cx="0" cy="0"/>
+        </a:xfrm>
+      </p:grpSpPr>
+      <p:sp>
+        <p:nvSpPr>
+          <p:cNvPr id="158" name="Google Shape;158;p32"/>
+          <p:cNvSpPr txBox="1">
+            <a:spLocks noGrp="1"/>
+          </p:cNvSpPr>
+          <p:nvPr>
+            <p:ph type="title"/>
+          </p:nvPr>
+        </p:nvSpPr>
+        <p:spPr>
+          <a:xfrm>
+            <a:off x="609600" y="274637"/>
+            <a:ext cx="8940800" cy="901200"/>
+          </a:xfrm>
+          <a:prstGeom prst="rect">
+            <a:avLst/>
+          </a:prstGeom>
+        </p:spPr>
+        <p:txBody>
+          <a:bodyPr spcFirstLastPara="1" vert="horz" wrap="square" lIns="121900" tIns="121900" rIns="121900" bIns="121900" rtlCol="0" anchor="b" anchorCtr="0">
+            <a:noAutofit/>
+          </a:bodyPr>
+          <a:lstStyle/>
+          <a:p>
+            <a:r>
+              <a:rPr lang="en"/>
+              <a:t>Combining Comparisons</a:t>
+            </a:r>
+            <a:endParaRPr/>
+          </a:p>
+        </p:txBody>
+      </p:sp>
+      <p:sp>
+        <p:nvSpPr>
+          <p:cNvPr id="159" name="Google Shape;159;p32"/>
+          <p:cNvSpPr txBox="1">
+            <a:spLocks noGrp="1"/>
+          </p:cNvSpPr>
+          <p:nvPr>
+            <p:ph type="body" idx="1"/>
+          </p:nvPr>
+        </p:nvSpPr>
+        <p:spPr>
+          <a:xfrm>
+            <a:off x="609600" y="1295400"/>
+            <a:ext cx="10972800" cy="4830800"/>
+          </a:xfrm>
+          <a:prstGeom prst="rect">
+            <a:avLst/>
+          </a:prstGeom>
+        </p:spPr>
+        <p:txBody>
+          <a:bodyPr spcFirstLastPara="1" vert="horz" wrap="square" lIns="121900" tIns="121900" rIns="121900" bIns="121900" rtlCol="0" anchor="t" anchorCtr="0">
+            <a:noAutofit/>
+          </a:bodyPr>
+          <a:lstStyle/>
+          <a:p>
+            <a:pPr marL="0" indent="0">
+              <a:buNone/>
+            </a:pPr>
+            <a:r>
+              <a:rPr lang="en" dirty="0"/>
+              <a:t>Boolean operators can be applied to </a:t>
+            </a:r>
+            <a:r>
+              <a:rPr lang="en" b="1" dirty="0">
+                <a:solidFill>
+                  <a:srgbClr val="0000FF"/>
+                </a:solidFill>
+                <a:latin typeface="Courier New"/>
+                <a:ea typeface="Courier New"/>
+                <a:cs typeface="Courier New"/>
+                <a:sym typeface="Courier New"/>
+              </a:rPr>
+              <a:t>bool</a:t>
+            </a:r>
+            <a:r>
+              <a:rPr lang="en" dirty="0"/>
+              <a:t> values</a:t>
+            </a:r>
+            <a:endParaRPr dirty="0"/>
+          </a:p>
+          <a:p>
+            <a:pPr marL="0" indent="0">
+              <a:spcBef>
+                <a:spcPts val="533"/>
+              </a:spcBef>
+              <a:buNone/>
+            </a:pPr>
+            <a:endParaRPr sz="2667" b="1" dirty="0">
+              <a:latin typeface="Courier New"/>
+              <a:ea typeface="Courier New"/>
+              <a:cs typeface="Courier New"/>
+              <a:sym typeface="Courier New"/>
+            </a:endParaRPr>
+          </a:p>
+          <a:p>
+            <a:pPr marL="0" indent="0">
+              <a:spcBef>
+                <a:spcPts val="533"/>
+              </a:spcBef>
+              <a:buNone/>
+            </a:pPr>
+            <a:r>
+              <a:rPr lang="en" sz="2667" b="1" dirty="0">
+                <a:latin typeface="Courier New"/>
+                <a:ea typeface="Courier New"/>
+                <a:cs typeface="Courier New"/>
+                <a:sym typeface="Courier New"/>
+              </a:rPr>
+              <a:t>	a = True      b = False</a:t>
+            </a:r>
+            <a:endParaRPr sz="2667" b="1" dirty="0">
+              <a:latin typeface="Courier New"/>
+              <a:ea typeface="Courier New"/>
+              <a:cs typeface="Courier New"/>
+              <a:sym typeface="Courier New"/>
+            </a:endParaRPr>
+          </a:p>
+          <a:p>
+            <a:pPr marL="0" indent="0">
+              <a:spcBef>
+                <a:spcPts val="533"/>
+              </a:spcBef>
+              <a:buNone/>
+            </a:pPr>
+            <a:endParaRPr sz="2667" b="1" dirty="0">
+              <a:latin typeface="Courier New"/>
+              <a:ea typeface="Courier New"/>
+              <a:cs typeface="Courier New"/>
+              <a:sym typeface="Courier New"/>
+            </a:endParaRPr>
+          </a:p>
+          <a:p>
+            <a:pPr marL="0" indent="0">
+              <a:spcBef>
+                <a:spcPts val="533"/>
+              </a:spcBef>
+              <a:buNone/>
+            </a:pPr>
+            <a:r>
+              <a:rPr lang="en" sz="2667" b="1" dirty="0">
+                <a:latin typeface="Courier New"/>
+                <a:ea typeface="Courier New"/>
+                <a:cs typeface="Courier New"/>
+                <a:sym typeface="Courier New"/>
+              </a:rPr>
+              <a:t>	not b         a or b           a and not b </a:t>
+            </a:r>
+            <a:endParaRPr sz="2667" b="1" dirty="0">
+              <a:latin typeface="Courier New"/>
+              <a:ea typeface="Courier New"/>
+              <a:cs typeface="Courier New"/>
+              <a:sym typeface="Courier New"/>
+            </a:endParaRPr>
+          </a:p>
+          <a:p>
+            <a:pPr marL="0" indent="0">
+              <a:spcBef>
+                <a:spcPts val="533"/>
+              </a:spcBef>
+              <a:buNone/>
+            </a:pPr>
+            <a:endParaRPr sz="2667" b="1" dirty="0">
+              <a:latin typeface="Courier New"/>
+              <a:ea typeface="Courier New"/>
+              <a:cs typeface="Courier New"/>
+              <a:sym typeface="Courier New"/>
+            </a:endParaRPr>
+          </a:p>
+          <a:p>
+            <a:pPr marL="0" indent="0">
+              <a:spcBef>
+                <a:spcPts val="533"/>
+              </a:spcBef>
+              <a:spcAft>
+                <a:spcPts val="533"/>
+              </a:spcAft>
+              <a:buNone/>
+            </a:pPr>
+            <a:r>
+              <a:rPr lang="en" sz="2667" b="1" dirty="0">
+                <a:latin typeface="Courier New"/>
+                <a:ea typeface="Courier New"/>
+                <a:cs typeface="Courier New"/>
+                <a:sym typeface="Courier New"/>
+              </a:rPr>
+              <a:t>   a and b       not (a or b)     b and b</a:t>
+            </a:r>
+            <a:endParaRPr sz="2667" b="1" dirty="0">
+              <a:latin typeface="Courier New"/>
+              <a:ea typeface="Courier New"/>
+              <a:cs typeface="Courier New"/>
+              <a:sym typeface="Courier New"/>
+            </a:endParaRPr>
+          </a:p>
+        </p:txBody>
+      </p:sp>
+      <p:sp>
+        <p:nvSpPr>
+          <p:cNvPr id="160" name="Google Shape;160;p32"/>
+          <p:cNvSpPr txBox="1"/>
+          <p:nvPr/>
+        </p:nvSpPr>
+        <p:spPr>
+          <a:xfrm>
+            <a:off x="5176800" y="5126200"/>
+            <a:ext cx="1838400" cy="1000000"/>
+          </a:xfrm>
+          <a:prstGeom prst="rect">
+            <a:avLst/>
+          </a:prstGeom>
+          <a:noFill/>
+          <a:ln>
+            <a:noFill/>
+          </a:ln>
+        </p:spPr>
+        <p:txBody>
+          <a:bodyPr spcFirstLastPara="1" wrap="square" lIns="121900" tIns="121900" rIns="121900" bIns="121900" anchor="ctr" anchorCtr="0">
+            <a:noAutofit/>
+          </a:bodyPr>
+          <a:lstStyle/>
+          <a:p>
+            <a:pPr algn="ctr"/>
+            <a:r>
+              <a:rPr lang="en" sz="3200" dirty="0">
+                <a:solidFill>
+                  <a:srgbClr val="3B7EA1"/>
+                </a:solidFill>
+              </a:rPr>
+              <a:t>(Demo)</a:t>
+            </a:r>
+            <a:endParaRPr sz="3200" dirty="0">
+              <a:solidFill>
+                <a:srgbClr val="3B7EA1"/>
+              </a:solidFill>
+            </a:endParaRPr>
+          </a:p>
+        </p:txBody>
+      </p:sp>
+      <p:grpSp>
+        <p:nvGrpSpPr>
+          <p:cNvPr id="161" name="Google Shape;161;p32"/>
+          <p:cNvGrpSpPr/>
+          <p:nvPr/>
+        </p:nvGrpSpPr>
+        <p:grpSpPr>
+          <a:xfrm>
+            <a:off x="1479415" y="2527654"/>
+            <a:ext cx="9471615" cy="1038271"/>
+            <a:chOff x="889125" y="1565961"/>
+            <a:chExt cx="7103711" cy="2105171"/>
+          </a:xfrm>
+        </p:grpSpPr>
+        <p:sp>
+          <p:nvSpPr>
+            <p:cNvPr id="162" name="Google Shape;162;p32"/>
+            <p:cNvSpPr/>
+            <p:nvPr/>
+          </p:nvSpPr>
+          <p:spPr>
+            <a:xfrm>
+              <a:off x="889125" y="2515532"/>
+              <a:ext cx="6653400" cy="1155600"/>
+            </a:xfrm>
+            <a:prstGeom prst="roundRect">
+              <a:avLst>
+                <a:gd name="adj" fmla="val 16667"/>
+              </a:avLst>
+            </a:prstGeom>
+            <a:noFill/>
+            <a:ln w="19050" cap="flat" cmpd="sng">
+              <a:solidFill>
+                <a:srgbClr val="007DD6"/>
+              </a:solidFill>
+              <a:prstDash val="dash"/>
+              <a:round/>
+              <a:headEnd type="none" w="sm" len="sm"/>
+              <a:tailEnd type="none" w="sm" len="sm"/>
+            </a:ln>
+          </p:spPr>
+          <p:txBody>
+            <a:bodyPr spcFirstLastPara="1" wrap="square" lIns="121900" tIns="121900" rIns="121900" bIns="121900" anchor="ctr" anchorCtr="0">
+              <a:noAutofit/>
+            </a:bodyPr>
+            <a:lstStyle/>
+            <a:p>
+              <a:endParaRPr sz="2400"/>
+            </a:p>
+          </p:txBody>
+        </p:sp>
+        <p:sp>
+          <p:nvSpPr>
+            <p:cNvPr id="163" name="Google Shape;163;p32"/>
+            <p:cNvSpPr txBox="1"/>
+            <p:nvPr/>
+          </p:nvSpPr>
+          <p:spPr>
+            <a:xfrm>
+              <a:off x="6012825" y="1565961"/>
+              <a:ext cx="1980011" cy="1155599"/>
+            </a:xfrm>
+            <a:prstGeom prst="rect">
+              <a:avLst/>
+            </a:prstGeom>
+            <a:noFill/>
+            <a:ln>
+              <a:noFill/>
+            </a:ln>
+          </p:spPr>
+          <p:txBody>
+            <a:bodyPr spcFirstLastPara="1" wrap="square" lIns="121900" tIns="121900" rIns="121900" bIns="121900" anchor="t" anchorCtr="0">
+              <a:noAutofit/>
+            </a:bodyPr>
+            <a:lstStyle/>
+            <a:p>
+              <a:pPr algn="ctr"/>
+              <a:r>
+                <a:rPr lang="en" sz="2400" dirty="0"/>
+                <a:t>Evaluate to </a:t>
+              </a:r>
+              <a:r>
+                <a:rPr lang="en" sz="2400" b="1" dirty="0">
+                  <a:latin typeface="Courier" pitchFamily="2" charset="0"/>
+                </a:rPr>
+                <a:t>True</a:t>
+              </a:r>
+              <a:endParaRPr sz="2400" b="1" dirty="0">
+                <a:latin typeface="Courier" pitchFamily="2" charset="0"/>
+              </a:endParaRPr>
+            </a:p>
+          </p:txBody>
+        </p:sp>
+      </p:grpSp>
+      <p:grpSp>
+        <p:nvGrpSpPr>
+          <p:cNvPr id="164" name="Google Shape;164;p32"/>
+          <p:cNvGrpSpPr/>
+          <p:nvPr/>
+        </p:nvGrpSpPr>
+        <p:grpSpPr>
+          <a:xfrm>
+            <a:off x="1218158" y="4003259"/>
+            <a:ext cx="9569585" cy="1063159"/>
+            <a:chOff x="889125" y="2515532"/>
+            <a:chExt cx="7177189" cy="2155634"/>
+          </a:xfrm>
+        </p:grpSpPr>
+        <p:sp>
+          <p:nvSpPr>
+            <p:cNvPr id="165" name="Google Shape;165;p32"/>
+            <p:cNvSpPr/>
+            <p:nvPr/>
+          </p:nvSpPr>
+          <p:spPr>
+            <a:xfrm>
+              <a:off x="889125" y="2515532"/>
+              <a:ext cx="6653400" cy="1155600"/>
+            </a:xfrm>
+            <a:prstGeom prst="roundRect">
+              <a:avLst>
+                <a:gd name="adj" fmla="val 16667"/>
+              </a:avLst>
+            </a:prstGeom>
+            <a:noFill/>
+            <a:ln w="19050" cap="flat" cmpd="sng">
+              <a:solidFill>
+                <a:srgbClr val="007DD6"/>
+              </a:solidFill>
+              <a:prstDash val="dash"/>
+              <a:round/>
+              <a:headEnd type="none" w="sm" len="sm"/>
+              <a:tailEnd type="none" w="sm" len="sm"/>
+            </a:ln>
+          </p:spPr>
+          <p:txBody>
+            <a:bodyPr spcFirstLastPara="1" wrap="square" lIns="121900" tIns="121900" rIns="121900" bIns="121900" anchor="ctr" anchorCtr="0">
+              <a:noAutofit/>
+            </a:bodyPr>
+            <a:lstStyle/>
+            <a:p>
+              <a:endParaRPr sz="2400"/>
+            </a:p>
+          </p:txBody>
+        </p:sp>
+        <p:sp>
+          <p:nvSpPr>
+            <p:cNvPr id="166" name="Google Shape;166;p32"/>
+            <p:cNvSpPr txBox="1"/>
+            <p:nvPr/>
+          </p:nvSpPr>
+          <p:spPr>
+            <a:xfrm>
+              <a:off x="5995150" y="3515566"/>
+              <a:ext cx="2071164" cy="1155600"/>
+            </a:xfrm>
+            <a:prstGeom prst="rect">
+              <a:avLst/>
+            </a:prstGeom>
+            <a:noFill/>
+            <a:ln>
+              <a:noFill/>
+            </a:ln>
+          </p:spPr>
+          <p:txBody>
+            <a:bodyPr spcFirstLastPara="1" wrap="square" lIns="121900" tIns="121900" rIns="121900" bIns="121900" anchor="t" anchorCtr="0">
+              <a:noAutofit/>
+            </a:bodyPr>
+            <a:lstStyle/>
+            <a:p>
+              <a:pPr algn="ctr"/>
+              <a:r>
+                <a:rPr lang="en" sz="2400" dirty="0"/>
+                <a:t>Evaluate to </a:t>
+              </a:r>
+              <a:r>
+                <a:rPr lang="en" sz="2400" b="1" dirty="0">
+                  <a:latin typeface="Courier" pitchFamily="2" charset="0"/>
+                </a:rPr>
+                <a:t>False</a:t>
+              </a:r>
+              <a:endParaRPr sz="2400" b="1" dirty="0">
+                <a:latin typeface="Courier" pitchFamily="2" charset="0"/>
+              </a:endParaRPr>
+            </a:p>
+          </p:txBody>
+        </p:sp>
+      </p:grpSp>
+    </p:spTree>
+    <p:extLst>
+      <p:ext uri="{BB962C8B-B14F-4D97-AF65-F5344CB8AC3E}">
+        <p14:creationId xmlns:p14="http://schemas.microsoft.com/office/powerpoint/2010/main" val="3845602878"/>
+      </p:ext>
+    </p:extLst>
+  </p:cSld>
+  <p:clrMapOvr>
+    <a:masterClrMapping/>
+  </p:clrMapOvr>
+  <p:timing>
+    <p:tnLst>
+      <p:par>
+        <p:cTn id="1" dur="indefinite" restart="never" nodeType="tmRoot">
+          <p:childTnLst>
+            <p:seq concurrent="1" nextAc="seek">
+              <p:cTn id="2" dur="indefinite" nodeType="mainSeq">
+                <p:childTnLst>
+                  <p:par>
+                    <p:cTn id="3" fill="hold">
+                      <p:stCondLst>
+                        <p:cond delay="indefinite"/>
+                      </p:stCondLst>
+                      <p:childTnLst>
+                        <p:par>
+                          <p:cTn id="4" fill="hold">
+                            <p:stCondLst>
+                              <p:cond delay="0"/>
+                            </p:stCondLst>
+                            <p:childTnLst>
+                              <p:par>
+                                <p:cTn id="5" presetID="10" presetClass="entr" presetSubtype="0" fill="hold" nodeType="clickEffect">
+                                  <p:stCondLst>
+                                    <p:cond delay="0"/>
+                                  </p:stCondLst>
+                                  <p:childTnLst>
+                                    <p:set>
+                                      <p:cBhvr>
+                                        <p:cTn id="6" dur="1" fill="hold">
+                                          <p:stCondLst>
+                                            <p:cond delay="0"/>
+                                          </p:stCondLst>
+                                        </p:cTn>
+                                        <p:tgtEl>
+                                          <p:spTgt spid="159">
+                                            <p:txEl>
+                                              <p:pRg st="0" end="0"/>
+                                            </p:txEl>
+                                          </p:spTgt>
+                                        </p:tgtEl>
+                                        <p:attrNameLst>
+                                          <p:attrName>style.visibility</p:attrName>
+                                        </p:attrNameLst>
+                                      </p:cBhvr>
+                                      <p:to>
+                                        <p:strVal val="visible"/>
+                                      </p:to>
+                                    </p:set>
+                                    <p:animEffect transition="in" filter="fade">
+                                      <p:cBhvr>
+                                        <p:cTn id="7" dur="1"/>
+                                        <p:tgtEl>
+                                          <p:spTgt spid="159">
+                                            <p:txEl>
+                                              <p:pRg st="0" end="0"/>
+                                            </p:txEl>
+                                          </p:spTgt>
+                                        </p:tgtEl>
+                                      </p:cBhvr>
+                                    </p:animEffect>
+                                  </p:childTnLst>
+                                </p:cTn>
+                              </p:par>
+                            </p:childTnLst>
+                          </p:cTn>
+                        </p:par>
+                      </p:childTnLst>
+                    </p:cTn>
+                  </p:par>
+                  <p:par>
+                    <p:cTn id="8" fill="hold">
+                      <p:stCondLst>
+                        <p:cond delay="indefinite"/>
+                      </p:stCondLst>
+                      <p:childTnLst>
+                        <p:par>
+                          <p:cTn id="9" fill="hold">
+                            <p:stCondLst>
+                              <p:cond delay="0"/>
+                            </p:stCondLst>
+                            <p:childTnLst>
+                              <p:par>
+                                <p:cTn id="10" presetID="10" presetClass="entr" presetSubtype="0" fill="hold" nodeType="clickEffect">
+                                  <p:stCondLst>
+                                    <p:cond delay="0"/>
+                                  </p:stCondLst>
+                                  <p:childTnLst>
+                                    <p:set>
+                                      <p:cBhvr>
+                                        <p:cTn id="11" dur="1" fill="hold">
+                                          <p:stCondLst>
+                                            <p:cond delay="0"/>
+                                          </p:stCondLst>
+                                        </p:cTn>
+                                        <p:tgtEl>
+                                          <p:spTgt spid="159">
+                                            <p:txEl>
+                                              <p:pRg st="2" end="2"/>
+                                            </p:txEl>
+                                          </p:spTgt>
+                                        </p:tgtEl>
+                                        <p:attrNameLst>
+                                          <p:attrName>style.visibility</p:attrName>
+                                        </p:attrNameLst>
+                                      </p:cBhvr>
+                                      <p:to>
+                                        <p:strVal val="visible"/>
+                                      </p:to>
+                                    </p:set>
+                                    <p:animEffect transition="in" filter="fade">
+                                      <p:cBhvr>
+                                        <p:cTn id="12" dur="1"/>
+                                        <p:tgtEl>
+                                          <p:spTgt spid="159">
+                                            <p:txEl>
+                                              <p:pRg st="2" end="2"/>
+                                            </p:txEl>
+                                          </p:spTgt>
+                                        </p:tgtEl>
+                                      </p:cBhvr>
+                                    </p:animEffect>
+                                  </p:childTnLst>
+                                </p:cTn>
+                              </p:par>
+                            </p:childTnLst>
+                          </p:cTn>
+                        </p:par>
+                      </p:childTnLst>
+                    </p:cTn>
+                  </p:par>
+                  <p:par>
+                    <p:cTn id="13" fill="hold">
+                      <p:stCondLst>
+                        <p:cond delay="indefinite"/>
+                      </p:stCondLst>
+                      <p:childTnLst>
+                        <p:par>
+                          <p:cTn id="14" fill="hold">
+                            <p:stCondLst>
+                              <p:cond delay="0"/>
+                            </p:stCondLst>
+                            <p:childTnLst>
+                              <p:par>
+                                <p:cTn id="15" presetID="10" presetClass="entr" presetSubtype="0" fill="hold" nodeType="clickEffect">
+                                  <p:stCondLst>
+                                    <p:cond delay="0"/>
+                                  </p:stCondLst>
+                                  <p:childTnLst>
+                                    <p:set>
+                                      <p:cBhvr>
+                                        <p:cTn id="16" dur="1" fill="hold">
+                                          <p:stCondLst>
+                                            <p:cond delay="0"/>
+                                          </p:stCondLst>
+                                        </p:cTn>
+                                        <p:tgtEl>
+                                          <p:spTgt spid="159">
+                                            <p:txEl>
+                                              <p:pRg st="4" end="4"/>
+                                            </p:txEl>
+                                          </p:spTgt>
+                                        </p:tgtEl>
+                                        <p:attrNameLst>
+                                          <p:attrName>style.visibility</p:attrName>
+                                        </p:attrNameLst>
+                                      </p:cBhvr>
+                                      <p:to>
+                                        <p:strVal val="visible"/>
+                                      </p:to>
+                                    </p:set>
+                                    <p:animEffect transition="in" filter="fade">
+                                      <p:cBhvr>
+                                        <p:cTn id="17" dur="1"/>
+                                        <p:tgtEl>
+                                          <p:spTgt spid="159">
+                                            <p:txEl>
+                                              <p:pRg st="4" end="4"/>
+                                            </p:txEl>
+                                          </p:spTgt>
+                                        </p:tgtEl>
+                                      </p:cBhvr>
+                                    </p:animEffect>
+                                  </p:childTnLst>
+                                </p:cTn>
+                              </p:par>
+                            </p:childTnLst>
+                          </p:cTn>
+                        </p:par>
+                      </p:childTnLst>
+                    </p:cTn>
+                  </p:par>
+                  <p:par>
+                    <p:cTn id="18" fill="hold">
+                      <p:stCondLst>
+                        <p:cond delay="indefinite"/>
+                      </p:stCondLst>
+                      <p:childTnLst>
+                        <p:par>
+                          <p:cTn id="19" fill="hold">
+                            <p:stCondLst>
+                              <p:cond delay="0"/>
+                            </p:stCondLst>
+                            <p:childTnLst>
+                              <p:par>
+                                <p:cTn id="20" presetID="10" presetClass="entr" presetSubtype="0" fill="hold" nodeType="clickEffect">
+                                  <p:stCondLst>
+                                    <p:cond delay="0"/>
+                                  </p:stCondLst>
+                                  <p:childTnLst>
+                                    <p:set>
+                                      <p:cBhvr>
+                                        <p:cTn id="21" dur="1" fill="hold">
+                                          <p:stCondLst>
+                                            <p:cond delay="0"/>
+                                          </p:stCondLst>
+                                        </p:cTn>
+                                        <p:tgtEl>
+                                          <p:spTgt spid="159">
+                                            <p:txEl>
+                                              <p:pRg st="6" end="6"/>
+                                            </p:txEl>
+                                          </p:spTgt>
+                                        </p:tgtEl>
+                                        <p:attrNameLst>
+                                          <p:attrName>style.visibility</p:attrName>
+                                        </p:attrNameLst>
+                                      </p:cBhvr>
+                                      <p:to>
+                                        <p:strVal val="visible"/>
+                                      </p:to>
+                                    </p:set>
+                                    <p:animEffect transition="in" filter="fade">
+                                      <p:cBhvr>
+                                        <p:cTn id="22" dur="1"/>
+                                        <p:tgtEl>
+                                          <p:spTgt spid="159">
+                                            <p:txEl>
+                                              <p:pRg st="6" end="6"/>
+                                            </p:txEl>
+                                          </p:spTgt>
+                                        </p:tgtEl>
+                                      </p:cBhvr>
+                                    </p:animEffect>
+                                  </p:childTnLst>
+                                </p:cTn>
+                              </p:par>
+                            </p:childTnLst>
+                          </p:cTn>
+                        </p:par>
+                      </p:childTnLst>
+                    </p:cTn>
+                  </p:par>
+                  <p:par>
+                    <p:cTn id="23" fill="hold">
+                      <p:stCondLst>
+                        <p:cond delay="indefinite"/>
+                      </p:stCondLst>
+                      <p:childTnLst>
+                        <p:par>
+                          <p:cTn id="24" fill="hold">
+                            <p:stCondLst>
+                              <p:cond delay="0"/>
+                            </p:stCondLst>
+                            <p:childTnLst>
+                              <p:par>
+                                <p:cTn id="25" presetID="10" presetClass="entr" presetSubtype="0" fill="hold" nodeType="clickEffect">
+                                  <p:stCondLst>
+                                    <p:cond delay="0"/>
+                                  </p:stCondLst>
+                                  <p:childTnLst>
+                                    <p:set>
+                                      <p:cBhvr>
+                                        <p:cTn id="26" dur="1" fill="hold">
+                                          <p:stCondLst>
+                                            <p:cond delay="0"/>
+                                          </p:stCondLst>
+                                        </p:cTn>
+                                        <p:tgtEl>
+                                          <p:spTgt spid="161"/>
+                                        </p:tgtEl>
+                                        <p:attrNameLst>
+                                          <p:attrName>style.visibility</p:attrName>
+                                        </p:attrNameLst>
+                                      </p:cBhvr>
+                                      <p:to>
+                                        <p:strVal val="visible"/>
+                                      </p:to>
+                                    </p:set>
+                                    <p:animEffect transition="in" filter="fade">
+                                      <p:cBhvr>
+                                        <p:cTn id="27" dur="1"/>
+                                        <p:tgtEl>
+                                          <p:spTgt spid="161"/>
+                                        </p:tgtEl>
+                                      </p:cBhvr>
+                                    </p:animEffect>
+                                  </p:childTnLst>
+                                </p:cTn>
+                              </p:par>
+                            </p:childTnLst>
+                          </p:cTn>
+                        </p:par>
+                      </p:childTnLst>
+                    </p:cTn>
+                  </p:par>
+                  <p:par>
+                    <p:cTn id="28" fill="hold">
+                      <p:stCondLst>
+                        <p:cond delay="indefinite"/>
+                      </p:stCondLst>
+                      <p:childTnLst>
+                        <p:par>
+                          <p:cTn id="29" fill="hold">
+                            <p:stCondLst>
+                              <p:cond delay="0"/>
+                            </p:stCondLst>
+                            <p:childTnLst>
+                              <p:par>
+                                <p:cTn id="30" presetID="10" presetClass="entr" presetSubtype="0" fill="hold" nodeType="clickEffect">
+                                  <p:stCondLst>
+                                    <p:cond delay="0"/>
+                                  </p:stCondLst>
+                                  <p:childTnLst>
+                                    <p:set>
+                                      <p:cBhvr>
+                                        <p:cTn id="31" dur="1" fill="hold">
+                                          <p:stCondLst>
+                                            <p:cond delay="0"/>
+                                          </p:stCondLst>
+                                        </p:cTn>
+                                        <p:tgtEl>
+                                          <p:spTgt spid="164"/>
+                                        </p:tgtEl>
+                                        <p:attrNameLst>
+                                          <p:attrName>style.visibility</p:attrName>
+                                        </p:attrNameLst>
+                                      </p:cBhvr>
+                                      <p:to>
+                                        <p:strVal val="visible"/>
+                                      </p:to>
+                                    </p:set>
+                                    <p:animEffect transition="in" filter="fade">
+                                      <p:cBhvr>
+                                        <p:cTn id="32" dur="1"/>
+                                        <p:tgtEl>
+                                          <p:spTgt spid="164"/>
+                                        </p:tgtEl>
+                                      </p:cBhvr>
+                                    </p:animEffect>
+                                  </p:childTnLst>
+                                </p:cTn>
+                              </p:par>
+                            </p:childTnLst>
+                          </p:cTn>
+                        </p:par>
+                      </p:childTnLst>
+                    </p:cTn>
+                  </p:par>
+                  <p:par>
+                    <p:cTn id="33" fill="hold">
+                      <p:stCondLst>
+                        <p:cond delay="indefinite"/>
+                      </p:stCondLst>
+                      <p:childTnLst>
+                        <p:par>
+                          <p:cTn id="34" fill="hold">
+                            <p:stCondLst>
+                              <p:cond delay="0"/>
+                            </p:stCondLst>
+                            <p:childTnLst>
+                              <p:par>
+                                <p:cTn id="35" presetID="10" presetClass="entr" presetSubtype="0" fill="hold" nodeType="clickEffect">
+                                  <p:stCondLst>
+                                    <p:cond delay="0"/>
+                                  </p:stCondLst>
+                                  <p:childTnLst>
+                                    <p:set>
+                                      <p:cBhvr>
+                                        <p:cTn id="36" dur="1" fill="hold">
+                                          <p:stCondLst>
+                                            <p:cond delay="0"/>
+                                          </p:stCondLst>
+                                        </p:cTn>
+                                        <p:tgtEl>
+                                          <p:spTgt spid="160"/>
+                                        </p:tgtEl>
+                                        <p:attrNameLst>
+                                          <p:attrName>style.visibility</p:attrName>
+                                        </p:attrNameLst>
+                                      </p:cBhvr>
+                                      <p:to>
+                                        <p:strVal val="visible"/>
+                                      </p:to>
+                                    </p:set>
+                                    <p:animEffect transition="in" filter="fade">
+                                      <p:cBhvr>
+                                        <p:cTn id="37" dur="1"/>
+                                        <p:tgtEl>
+                                          <p:spTgt spid="160"/>
+                                        </p:tgtEl>
+                                      </p:cBhvr>
+                                    </p:animEffect>
+                                  </p:childTnLst>
+                                </p:cTn>
+                              </p:par>
+                            </p:childTnLst>
+                          </p:cTn>
+                        </p:par>
+                      </p:childTnLst>
+                    </p:cTn>
+                  </p:par>
+                </p:childTnLst>
+              </p:cTn>
+              <p:prevCondLst>
+                <p:cond evt="onPrev" delay="0">
+                  <p:tgtEl>
+                    <p:sldTgt/>
+                  </p:tgtEl>
+                </p:cond>
+              </p:prevCondLst>
+              <p:nextCondLst>
+                <p:cond evt="onNext" delay="0">
+                  <p:tgtEl>
+                    <p:sldTgt/>
+                  </p:tgtEl>
+                </p:cond>
+              </p:nextCondLst>
+            </p:seq>
+          </p:childTnLst>
+        </p:cTn>
+      </p:par>
+    </p:tnLst>
+  </p:timing>
+</p:sld>
+</file>
+
+<file path=ppt/slides/slide4.xml><?xml version="1.0" encoding="utf-8"?>
+<p:sld xmlns:a="http://schemas.openxmlformats.org/drawingml/2006/main" xmlns:r="http://schemas.openxmlformats.org/officeDocument/2006/relationships" xmlns:p="http://schemas.openxmlformats.org/presentationml/2006/main">
+  <p:cSld>
+    <p:spTree>
+      <p:nvGrpSpPr>
+        <p:cNvPr id="1" name="Shape 170"/>
+        <p:cNvGrpSpPr/>
+        <p:nvPr/>
+      </p:nvGrpSpPr>
+      <p:grpSpPr>
+        <a:xfrm>
+          <a:off x="0" y="0"/>
+          <a:ext cx="0" cy="0"/>
+          <a:chOff x="0" y="0"/>
+          <a:chExt cx="0" cy="0"/>
+        </a:xfrm>
+      </p:grpSpPr>
+      <p:sp>
+        <p:nvSpPr>
+          <p:cNvPr id="171" name="Google Shape;171;p33"/>
+          <p:cNvSpPr txBox="1">
+            <a:spLocks noGrp="1"/>
+          </p:cNvSpPr>
+          <p:nvPr>
+            <p:ph type="title"/>
+          </p:nvPr>
+        </p:nvSpPr>
+        <p:spPr>
+          <a:xfrm>
+            <a:off x="609600" y="274637"/>
+            <a:ext cx="8940800" cy="901200"/>
+          </a:xfrm>
+          <a:prstGeom prst="rect">
+            <a:avLst/>
+          </a:prstGeom>
+        </p:spPr>
+        <p:txBody>
+          <a:bodyPr spcFirstLastPara="1" vert="horz" wrap="square" lIns="121900" tIns="121900" rIns="121900" bIns="121900" rtlCol="0" anchor="b" anchorCtr="0">
+            <a:noAutofit/>
+          </a:bodyPr>
+          <a:lstStyle/>
+          <a:p>
+            <a:r>
+              <a:rPr lang="en"/>
+              <a:t>Aggregating Comparisons</a:t>
+            </a:r>
+            <a:endParaRPr/>
+          </a:p>
+        </p:txBody>
+      </p:sp>
+      <p:sp>
+        <p:nvSpPr>
+          <p:cNvPr id="172" name="Google Shape;172;p33"/>
+          <p:cNvSpPr txBox="1">
+            <a:spLocks noGrp="1"/>
+          </p:cNvSpPr>
+          <p:nvPr>
+            <p:ph type="body" idx="1"/>
+          </p:nvPr>
+        </p:nvSpPr>
+        <p:spPr>
+          <a:xfrm>
+            <a:off x="609600" y="1295400"/>
+            <a:ext cx="10972800" cy="4084000"/>
+          </a:xfrm>
+          <a:prstGeom prst="rect">
+            <a:avLst/>
+          </a:prstGeom>
+        </p:spPr>
+        <p:txBody>
+          <a:bodyPr spcFirstLastPara="1" vert="horz" wrap="square" lIns="121900" tIns="121900" rIns="121900" bIns="121900" rtlCol="0" anchor="t" anchorCtr="0">
+            <a:noAutofit/>
+          </a:bodyPr>
+          <a:lstStyle/>
+          <a:p>
+            <a:pPr marL="0" indent="0">
+              <a:buNone/>
+            </a:pPr>
+            <a:r>
+              <a:rPr lang="en" dirty="0"/>
+              <a:t>Summing an array or list of bool values will count the True values only.</a:t>
+            </a:r>
+            <a:endParaRPr dirty="0"/>
+          </a:p>
+          <a:p>
+            <a:pPr marL="0" indent="0">
+              <a:spcBef>
+                <a:spcPts val="533"/>
+              </a:spcBef>
+              <a:buNone/>
+            </a:pPr>
+            <a:endParaRPr dirty="0"/>
+          </a:p>
+          <a:p>
+            <a:pPr marL="0" indent="0">
+              <a:spcBef>
+                <a:spcPts val="533"/>
+              </a:spcBef>
+              <a:buNone/>
+            </a:pPr>
+            <a:r>
+              <a:rPr lang="en" b="1" dirty="0">
+                <a:latin typeface="Courier New"/>
+                <a:ea typeface="Courier New"/>
+                <a:cs typeface="Courier New"/>
+                <a:sym typeface="Courier New"/>
+              </a:rPr>
+              <a:t>1    + 0     + 1          == 2</a:t>
+            </a:r>
+            <a:endParaRPr dirty="0"/>
+          </a:p>
+          <a:p>
+            <a:pPr marL="0" indent="0">
+              <a:spcBef>
+                <a:spcPts val="533"/>
+              </a:spcBef>
+              <a:buNone/>
+            </a:pPr>
+            <a:r>
+              <a:rPr lang="en" b="1" dirty="0">
+                <a:latin typeface="Courier New"/>
+                <a:ea typeface="Courier New"/>
+                <a:cs typeface="Courier New"/>
+                <a:sym typeface="Courier New"/>
+              </a:rPr>
+              <a:t>True + False + True       == 2</a:t>
+            </a:r>
+            <a:endParaRPr b="1" dirty="0">
+              <a:latin typeface="Courier New"/>
+              <a:ea typeface="Courier New"/>
+              <a:cs typeface="Courier New"/>
+              <a:sym typeface="Courier New"/>
+            </a:endParaRPr>
+          </a:p>
+          <a:p>
+            <a:pPr marL="0" indent="0">
+              <a:spcBef>
+                <a:spcPts val="533"/>
+              </a:spcBef>
+              <a:buNone/>
+            </a:pPr>
+            <a:r>
+              <a:rPr lang="en" b="1" dirty="0">
+                <a:latin typeface="Courier New"/>
+                <a:ea typeface="Courier New"/>
+                <a:cs typeface="Courier New"/>
+                <a:sym typeface="Courier New"/>
+              </a:rPr>
+              <a:t>sum([1   , 0    , 1   ))  == 2</a:t>
+            </a:r>
+            <a:endParaRPr b="1" dirty="0">
+              <a:latin typeface="Courier New"/>
+              <a:ea typeface="Courier New"/>
+              <a:cs typeface="Courier New"/>
+              <a:sym typeface="Courier New"/>
+            </a:endParaRPr>
+          </a:p>
+          <a:p>
+            <a:pPr marL="0" indent="0">
+              <a:spcBef>
+                <a:spcPts val="533"/>
+              </a:spcBef>
+              <a:buNone/>
+            </a:pPr>
+            <a:r>
+              <a:rPr lang="en" b="1" dirty="0">
+                <a:latin typeface="Courier New"/>
+                <a:ea typeface="Courier New"/>
+                <a:cs typeface="Courier New"/>
+                <a:sym typeface="Courier New"/>
+              </a:rPr>
+              <a:t>sum([True, False, True))  == 2</a:t>
+            </a:r>
+          </a:p>
+          <a:p>
+            <a:pPr marL="0" indent="0">
+              <a:spcBef>
+                <a:spcPts val="533"/>
+              </a:spcBef>
+              <a:buNone/>
+            </a:pPr>
+            <a:r>
+              <a:rPr lang="en-US" b="1" dirty="0">
+                <a:latin typeface="Courier New"/>
+                <a:ea typeface="Courier New"/>
+                <a:cs typeface="Courier New"/>
+                <a:sym typeface="Courier New"/>
+              </a:rPr>
+              <a:t>n</a:t>
+            </a:r>
+            <a:r>
+              <a:rPr lang="en" b="1" dirty="0" err="1">
+                <a:latin typeface="Courier New"/>
+                <a:ea typeface="Courier New"/>
+                <a:cs typeface="Courier New"/>
+                <a:sym typeface="Courier New"/>
+              </a:rPr>
+              <a:t>p.count_nonzero</a:t>
+            </a:r>
+            <a:r>
+              <a:rPr lang="en" b="1" dirty="0">
+                <a:latin typeface="Courier New"/>
+                <a:ea typeface="Courier New"/>
+                <a:cs typeface="Courier New"/>
+                <a:sym typeface="Courier New"/>
+              </a:rPr>
+              <a:t>(([True, False, True)) == ?</a:t>
+            </a:r>
+            <a:endParaRPr b="1" dirty="0">
+              <a:latin typeface="Courier New"/>
+              <a:ea typeface="Courier New"/>
+              <a:cs typeface="Courier New"/>
+              <a:sym typeface="Courier New"/>
+            </a:endParaRPr>
+          </a:p>
+          <a:p>
+            <a:pPr marL="0" indent="0">
+              <a:spcBef>
+                <a:spcPts val="533"/>
+              </a:spcBef>
+              <a:spcAft>
+                <a:spcPts val="533"/>
+              </a:spcAft>
+              <a:buNone/>
+            </a:pPr>
+            <a:endParaRPr b="1" dirty="0">
+              <a:latin typeface="Courier New"/>
+              <a:ea typeface="Courier New"/>
+              <a:cs typeface="Courier New"/>
+              <a:sym typeface="Courier New"/>
+            </a:endParaRPr>
+          </a:p>
+        </p:txBody>
+      </p:sp>
+      <p:sp>
+        <p:nvSpPr>
+          <p:cNvPr id="173" name="Google Shape;173;p33"/>
+          <p:cNvSpPr txBox="1"/>
+          <p:nvPr/>
+        </p:nvSpPr>
+        <p:spPr>
+          <a:xfrm>
+            <a:off x="5176800" y="5126200"/>
+            <a:ext cx="1838400" cy="1000000"/>
+          </a:xfrm>
+          <a:prstGeom prst="rect">
+            <a:avLst/>
+          </a:prstGeom>
+          <a:noFill/>
+          <a:ln>
+            <a:noFill/>
+          </a:ln>
+        </p:spPr>
+        <p:txBody>
+          <a:bodyPr spcFirstLastPara="1" wrap="square" lIns="121900" tIns="121900" rIns="121900" bIns="121900" anchor="ctr" anchorCtr="0">
+            <a:noAutofit/>
+          </a:bodyPr>
+          <a:lstStyle/>
+          <a:p>
+            <a:pPr algn="ctr"/>
+            <a:r>
+              <a:rPr lang="en" sz="3200" dirty="0">
+                <a:solidFill>
+                  <a:srgbClr val="3B7EA1"/>
+                </a:solidFill>
+              </a:rPr>
+              <a:t>(Demo)</a:t>
+            </a:r>
+            <a:endParaRPr sz="3200" dirty="0">
+              <a:solidFill>
+                <a:srgbClr val="3B7EA1"/>
+              </a:solidFill>
+            </a:endParaRPr>
+          </a:p>
+        </p:txBody>
+      </p:sp>
+    </p:spTree>
+    <p:extLst>
+      <p:ext uri="{BB962C8B-B14F-4D97-AF65-F5344CB8AC3E}">
+        <p14:creationId xmlns:p14="http://schemas.microsoft.com/office/powerpoint/2010/main" val="1617200638"/>
+      </p:ext>
+    </p:extLst>
+  </p:cSld>
+  <p:clrMapOvr>
+    <a:masterClrMapping/>
+  </p:clrMapOvr>
+  <p:timing>
+    <p:tnLst>
+      <p:par>
+        <p:cTn id="1" dur="indefinite" restart="never" nodeType="tmRoot">
+          <p:childTnLst>
+            <p:seq concurrent="1" nextAc="seek">
+              <p:cTn id="2" dur="indefinite" nodeType="mainSeq">
+                <p:childTnLst>
+                  <p:par>
+                    <p:cTn id="3" fill="hold">
+                      <p:stCondLst>
+                        <p:cond delay="indefinite"/>
+                      </p:stCondLst>
+                      <p:childTnLst>
+                        <p:par>
+                          <p:cTn id="4" fill="hold">
+                            <p:stCondLst>
+                              <p:cond delay="0"/>
+                            </p:stCondLst>
+                            <p:childTnLst>
+                              <p:par>
+                                <p:cTn id="5" presetID="10" presetClass="entr" presetSubtype="0" fill="hold" nodeType="clickEffect">
+                                  <p:stCondLst>
+                                    <p:cond delay="0"/>
+                                  </p:stCondLst>
+                                  <p:childTnLst>
+                                    <p:set>
+                                      <p:cBhvr>
+                                        <p:cTn id="6" dur="1" fill="hold">
+                                          <p:stCondLst>
+                                            <p:cond delay="0"/>
+                                          </p:stCondLst>
+                                        </p:cTn>
+                                        <p:tgtEl>
+                                          <p:spTgt spid="172">
+                                            <p:txEl>
+                                              <p:pRg st="0" end="0"/>
+                                            </p:txEl>
+                                          </p:spTgt>
+                                        </p:tgtEl>
+                                        <p:attrNameLst>
+                                          <p:attrName>style.visibility</p:attrName>
+                                        </p:attrNameLst>
+                                      </p:cBhvr>
+                                      <p:to>
+                                        <p:strVal val="visible"/>
+                                      </p:to>
+                                    </p:set>
+                                    <p:animEffect transition="in" filter="fade">
+                                      <p:cBhvr>
+                                        <p:cTn id="7" dur="1"/>
+                                        <p:tgtEl>
+                                          <p:spTgt spid="172">
+                                            <p:txEl>
+                                              <p:pRg st="0" end="0"/>
+                                            </p:txEl>
+                                          </p:spTgt>
+                                        </p:tgtEl>
+                                      </p:cBhvr>
+                                    </p:animEffect>
+                                  </p:childTnLst>
+                                </p:cTn>
+                              </p:par>
+                            </p:childTnLst>
+                          </p:cTn>
+                        </p:par>
+                      </p:childTnLst>
+                    </p:cTn>
+                  </p:par>
+                  <p:par>
+                    <p:cTn id="8" fill="hold">
+                      <p:stCondLst>
+                        <p:cond delay="indefinite"/>
+                      </p:stCondLst>
+                      <p:childTnLst>
+                        <p:par>
+                          <p:cTn id="9" fill="hold">
+                            <p:stCondLst>
+                              <p:cond delay="0"/>
+                            </p:stCondLst>
+                            <p:childTnLst>
+                              <p:par>
+                                <p:cTn id="10" presetID="10" presetClass="entr" presetSubtype="0" fill="hold" nodeType="clickEffect">
+                                  <p:stCondLst>
+                                    <p:cond delay="0"/>
+                                  </p:stCondLst>
+                                  <p:childTnLst>
+                                    <p:set>
+                                      <p:cBhvr>
+                                        <p:cTn id="11" dur="1" fill="hold">
+                                          <p:stCondLst>
+                                            <p:cond delay="0"/>
+                                          </p:stCondLst>
+                                        </p:cTn>
+                                        <p:tgtEl>
+                                          <p:spTgt spid="172">
+                                            <p:txEl>
+                                              <p:pRg st="2" end="2"/>
+                                            </p:txEl>
+                                          </p:spTgt>
+                                        </p:tgtEl>
+                                        <p:attrNameLst>
+                                          <p:attrName>style.visibility</p:attrName>
+                                        </p:attrNameLst>
+                                      </p:cBhvr>
+                                      <p:to>
+                                        <p:strVal val="visible"/>
+                                      </p:to>
+                                    </p:set>
+                                    <p:animEffect transition="in" filter="fade">
+                                      <p:cBhvr>
+                                        <p:cTn id="12" dur="1"/>
+                                        <p:tgtEl>
+                                          <p:spTgt spid="172">
+                                            <p:txEl>
+                                              <p:pRg st="2" end="2"/>
+                                            </p:txEl>
+                                          </p:spTgt>
+                                        </p:tgtEl>
+                                      </p:cBhvr>
+                                    </p:animEffect>
+                                  </p:childTnLst>
+                                </p:cTn>
+                              </p:par>
+                            </p:childTnLst>
+                          </p:cTn>
+                        </p:par>
+                      </p:childTnLst>
+                    </p:cTn>
+                  </p:par>
+                  <p:par>
+                    <p:cTn id="13" fill="hold">
+                      <p:stCondLst>
+                        <p:cond delay="indefinite"/>
+                      </p:stCondLst>
+                      <p:childTnLst>
+                        <p:par>
+                          <p:cTn id="14" fill="hold">
+                            <p:stCondLst>
+                              <p:cond delay="0"/>
+                            </p:stCondLst>
+                            <p:childTnLst>
+                              <p:par>
+                                <p:cTn id="15" presetID="10" presetClass="entr" presetSubtype="0" fill="hold" nodeType="clickEffect">
+                                  <p:stCondLst>
+                                    <p:cond delay="0"/>
+                                  </p:stCondLst>
+                                  <p:childTnLst>
+                                    <p:set>
+                                      <p:cBhvr>
+                                        <p:cTn id="16" dur="1" fill="hold">
+                                          <p:stCondLst>
+                                            <p:cond delay="0"/>
+                                          </p:stCondLst>
+                                        </p:cTn>
+                                        <p:tgtEl>
+                                          <p:spTgt spid="172">
+                                            <p:txEl>
+                                              <p:pRg st="3" end="3"/>
+                                            </p:txEl>
+                                          </p:spTgt>
+                                        </p:tgtEl>
+                                        <p:attrNameLst>
+                                          <p:attrName>style.visibility</p:attrName>
+                                        </p:attrNameLst>
+                                      </p:cBhvr>
+                                      <p:to>
+                                        <p:strVal val="visible"/>
+                                      </p:to>
+                                    </p:set>
+                                    <p:animEffect transition="in" filter="fade">
+                                      <p:cBhvr>
+                                        <p:cTn id="17" dur="1"/>
+                                        <p:tgtEl>
+                                          <p:spTgt spid="172">
+                                            <p:txEl>
+                                              <p:pRg st="3" end="3"/>
+                                            </p:txEl>
+                                          </p:spTgt>
+                                        </p:tgtEl>
+                                      </p:cBhvr>
+                                    </p:animEffect>
+                                  </p:childTnLst>
+                                </p:cTn>
+                              </p:par>
+                            </p:childTnLst>
+                          </p:cTn>
+                        </p:par>
+                      </p:childTnLst>
+                    </p:cTn>
+                  </p:par>
+                  <p:par>
+                    <p:cTn id="18" fill="hold">
+                      <p:stCondLst>
+                        <p:cond delay="indefinite"/>
+                      </p:stCondLst>
+                      <p:childTnLst>
+                        <p:par>
+                          <p:cTn id="19" fill="hold">
+                            <p:stCondLst>
+                              <p:cond delay="0"/>
+                            </p:stCondLst>
+                            <p:childTnLst>
+                              <p:par>
+                                <p:cTn id="20" presetID="10" presetClass="entr" presetSubtype="0" fill="hold" nodeType="clickEffect">
+                                  <p:stCondLst>
+                                    <p:cond delay="0"/>
+                                  </p:stCondLst>
+                                  <p:childTnLst>
+                                    <p:set>
+                                      <p:cBhvr>
+                                        <p:cTn id="21" dur="1" fill="hold">
+                                          <p:stCondLst>
+                                            <p:cond delay="0"/>
+                                          </p:stCondLst>
+                                        </p:cTn>
+                                        <p:tgtEl>
+                                          <p:spTgt spid="172">
+                                            <p:txEl>
+                                              <p:pRg st="4" end="4"/>
+                                            </p:txEl>
+                                          </p:spTgt>
+                                        </p:tgtEl>
+                                        <p:attrNameLst>
+                                          <p:attrName>style.visibility</p:attrName>
+                                        </p:attrNameLst>
+                                      </p:cBhvr>
+                                      <p:to>
+                                        <p:strVal val="visible"/>
+                                      </p:to>
+                                    </p:set>
+                                    <p:animEffect transition="in" filter="fade">
+                                      <p:cBhvr>
+                                        <p:cTn id="22" dur="1"/>
+                                        <p:tgtEl>
+                                          <p:spTgt spid="172">
+                                            <p:txEl>
+                                              <p:pRg st="4" end="4"/>
+                                            </p:txEl>
+                                          </p:spTgt>
+                                        </p:tgtEl>
+                                      </p:cBhvr>
+                                    </p:animEffect>
+                                  </p:childTnLst>
+                                </p:cTn>
+                              </p:par>
+                            </p:childTnLst>
+                          </p:cTn>
+                        </p:par>
+                      </p:childTnLst>
+                    </p:cTn>
+                  </p:par>
+                  <p:par>
+                    <p:cTn id="23" fill="hold">
+                      <p:stCondLst>
+                        <p:cond delay="indefinite"/>
+                      </p:stCondLst>
+                      <p:childTnLst>
+                        <p:par>
+                          <p:cTn id="24" fill="hold">
+                            <p:stCondLst>
+                              <p:cond delay="0"/>
+                            </p:stCondLst>
+                            <p:childTnLst>
+                              <p:par>
+                                <p:cTn id="25" presetID="10" presetClass="entr" presetSubtype="0" fill="hold" nodeType="clickEffect">
+                                  <p:stCondLst>
+                                    <p:cond delay="0"/>
+                                  </p:stCondLst>
+                                  <p:childTnLst>
+                                    <p:set>
+                                      <p:cBhvr>
+                                        <p:cTn id="26" dur="1" fill="hold">
+                                          <p:stCondLst>
+                                            <p:cond delay="0"/>
+                                          </p:stCondLst>
+                                        </p:cTn>
+                                        <p:tgtEl>
+                                          <p:spTgt spid="172">
+                                            <p:txEl>
+                                              <p:pRg st="5" end="5"/>
+                                            </p:txEl>
+                                          </p:spTgt>
+                                        </p:tgtEl>
+                                        <p:attrNameLst>
+                                          <p:attrName>style.visibility</p:attrName>
+                                        </p:attrNameLst>
+                                      </p:cBhvr>
+                                      <p:to>
+                                        <p:strVal val="visible"/>
+                                      </p:to>
+                                    </p:set>
+                                    <p:animEffect transition="in" filter="fade">
+                                      <p:cBhvr>
+                                        <p:cTn id="27" dur="1"/>
+                                        <p:tgtEl>
+                                          <p:spTgt spid="172">
+                                            <p:txEl>
+                                              <p:pRg st="5" end="5"/>
+                                            </p:txEl>
+                                          </p:spTgt>
+                                        </p:tgtEl>
+                                      </p:cBhvr>
+                                    </p:animEffect>
+                                  </p:childTnLst>
+                                </p:cTn>
+                              </p:par>
+                            </p:childTnLst>
+                          </p:cTn>
+                        </p:par>
+                      </p:childTnLst>
+                    </p:cTn>
+                  </p:par>
+                  <p:par>
+                    <p:cTn id="28" fill="hold">
+                      <p:stCondLst>
+                        <p:cond delay="indefinite"/>
+                      </p:stCondLst>
+                      <p:childTnLst>
+                        <p:par>
+                          <p:cTn id="29" fill="hold">
+                            <p:stCondLst>
+                              <p:cond delay="0"/>
+                            </p:stCondLst>
+                            <p:childTnLst>
+                              <p:par>
+                                <p:cTn id="30" presetID="10" presetClass="entr" presetSubtype="0" fill="hold" nodeType="clickEffect">
+                                  <p:stCondLst>
+                                    <p:cond delay="0"/>
+                                  </p:stCondLst>
+                                  <p:childTnLst>
+                                    <p:set>
+                                      <p:cBhvr>
+                                        <p:cTn id="31" dur="1" fill="hold">
+                                          <p:stCondLst>
+                                            <p:cond delay="0"/>
+                                          </p:stCondLst>
+                                        </p:cTn>
+                                        <p:tgtEl>
+                                          <p:spTgt spid="172">
+                                            <p:txEl>
+                                              <p:pRg st="6" end="6"/>
+                                            </p:txEl>
+                                          </p:spTgt>
+                                        </p:tgtEl>
+                                        <p:attrNameLst>
+                                          <p:attrName>style.visibility</p:attrName>
+                                        </p:attrNameLst>
+                                      </p:cBhvr>
+                                      <p:to>
+                                        <p:strVal val="visible"/>
+                                      </p:to>
+                                    </p:set>
+                                    <p:animEffect transition="in" filter="fade">
+                                      <p:cBhvr>
+                                        <p:cTn id="32" dur="1"/>
+                                        <p:tgtEl>
+                                          <p:spTgt spid="172">
+                                            <p:txEl>
+                                              <p:pRg st="6" end="6"/>
+                                            </p:txEl>
+                                          </p:spTgt>
+                                        </p:tgtEl>
+                                      </p:cBhvr>
+                                    </p:animEffect>
+                                  </p:childTnLst>
+                                </p:cTn>
+                              </p:par>
+                            </p:childTnLst>
+                          </p:cTn>
+                        </p:par>
+                      </p:childTnLst>
+                    </p:cTn>
+                  </p:par>
+                  <p:par>
+                    <p:cTn id="33" fill="hold">
+                      <p:stCondLst>
+                        <p:cond delay="indefinite"/>
+                      </p:stCondLst>
+                      <p:childTnLst>
+                        <p:par>
+                          <p:cTn id="34" fill="hold">
+                            <p:stCondLst>
+                              <p:cond delay="0"/>
+                            </p:stCondLst>
+                            <p:childTnLst>
+                              <p:par>
+                                <p:cTn id="35" presetID="10" presetClass="entr" presetSubtype="0" fill="hold" nodeType="clickEffect">
+                                  <p:stCondLst>
+                                    <p:cond delay="0"/>
+                                  </p:stCondLst>
+                                  <p:childTnLst>
+                                    <p:set>
+                                      <p:cBhvr>
+                                        <p:cTn id="36" dur="1" fill="hold">
+                                          <p:stCondLst>
+                                            <p:cond delay="0"/>
+                                          </p:stCondLst>
+                                        </p:cTn>
+                                        <p:tgtEl>
+                                          <p:spTgt spid="173"/>
+                                        </p:tgtEl>
+                                        <p:attrNameLst>
+                                          <p:attrName>style.visibility</p:attrName>
+                                        </p:attrNameLst>
+                                      </p:cBhvr>
+                                      <p:to>
+                                        <p:strVal val="visible"/>
+                                      </p:to>
+                                    </p:set>
+                                    <p:animEffect transition="in" filter="fade">
+                                      <p:cBhvr>
+                                        <p:cTn id="37" dur="1"/>
+                                        <p:tgtEl>
+                                          <p:spTgt spid="173"/>
+                                        </p:tgtEl>
+                                      </p:cBhvr>
+                                    </p:animEffect>
+                                  </p:childTnLst>
+                                </p:cTn>
+                              </p:par>
+                            </p:childTnLst>
+                          </p:cTn>
+                        </p:par>
+                      </p:childTnLst>
+                    </p:cTn>
+                  </p:par>
+                </p:childTnLst>
+              </p:cTn>
+              <p:prevCondLst>
+                <p:cond evt="onPrev" delay="0">
+                  <p:tgtEl>
+                    <p:sldTgt/>
+                  </p:tgtEl>
+                </p:cond>
+              </p:prevCondLst>
+              <p:nextCondLst>
+                <p:cond evt="onNext" delay="0">
+                  <p:tgtEl>
+                    <p:sldTgt/>
+                  </p:tgtEl>
+                </p:cond>
+              </p:nextCondLst>
+            </p:seq>
+          </p:childTnLst>
+        </p:cTn>
+      </p:par>
+    </p:tnLst>
+  </p:timing>
+</p:sld>
+</file>
+
+<file path=ppt/slides/slide5.xml><?xml version="1.0" encoding="utf-8"?>
+<p:sld xmlns:a="http://schemas.openxmlformats.org/drawingml/2006/main" xmlns:r="http://schemas.openxmlformats.org/officeDocument/2006/relationships" xmlns:p="http://schemas.openxmlformats.org/presentationml/2006/main">
+  <p:cSld>
+    <p:spTree>
+      <p:nvGrpSpPr>
+        <p:cNvPr id="1" name=""/>
+        <p:cNvGrpSpPr/>
+        <p:nvPr/>
+      </p:nvGrpSpPr>
+      <p:grpSpPr>
+        <a:xfrm>
+          <a:off x="0" y="0"/>
+          <a:ext cx="0" cy="0"/>
+          <a:chOff x="0" y="0"/>
+          <a:chExt cx="0" cy="0"/>
+        </a:xfrm>
+      </p:grpSpPr>
+      <p:sp>
+        <p:nvSpPr>
+          <p:cNvPr id="2" name="Title 1">
+            <a:extLst>
+              <a:ext uri="{FF2B5EF4-FFF2-40B4-BE49-F238E27FC236}">
+                <a16:creationId xmlns:a16="http://schemas.microsoft.com/office/drawing/2014/main" id="{B32A628F-3FFC-F542-8371-1F9BC5CEDB13}"/>
+              </a:ext>
+            </a:extLst>
+          </p:cNvPr>
+          <p:cNvSpPr>
+            <a:spLocks noGrp="1"/>
+          </p:cNvSpPr>
+          <p:nvPr>
+            <p:ph type="title"/>
+          </p:nvPr>
+        </p:nvSpPr>
+        <p:spPr/>
+        <p:txBody>
+          <a:bodyPr/>
+          <a:lstStyle/>
+          <a:p>
+            <a:r>
+              <a:rPr lang="en-US" dirty="0"/>
+              <a:t>More Python Commands</a:t>
+            </a:r>
+          </a:p>
+        </p:txBody>
+      </p:sp>
+      <p:sp>
+        <p:nvSpPr>
+          <p:cNvPr id="3" name="Text Placeholder 2">
+            <a:extLst>
+              <a:ext uri="{FF2B5EF4-FFF2-40B4-BE49-F238E27FC236}">
+                <a16:creationId xmlns:a16="http://schemas.microsoft.com/office/drawing/2014/main" id="{B1ED0A9B-5B4B-8047-BFDF-BBA651AC47A4}"/>
+              </a:ext>
+            </a:extLst>
+          </p:cNvPr>
+          <p:cNvSpPr>
+            <a:spLocks noGrp="1"/>
+          </p:cNvSpPr>
+          <p:nvPr>
+            <p:ph type="body" idx="1"/>
+          </p:nvPr>
+        </p:nvSpPr>
+        <p:spPr/>
+        <p:txBody>
+          <a:bodyPr/>
+          <a:lstStyle/>
+          <a:p>
+            <a:r>
+              <a:rPr lang="en-US" dirty="0"/>
+              <a:t>Printing</a:t>
+            </a:r>
+          </a:p>
+          <a:p>
+            <a:pPr lvl="1"/>
+            <a:r>
+              <a:rPr lang="en-US"/>
+              <a:t>Use </a:t>
+            </a:r>
+            <a:r>
+              <a:rPr lang="en-US" b="1">
+                <a:solidFill>
+                  <a:srgbClr val="0000FF"/>
+                </a:solidFill>
+                <a:latin typeface="Courier New"/>
+                <a:cs typeface="Courier New"/>
+                <a:sym typeface="Courier New"/>
+              </a:rPr>
+              <a:t>print</a:t>
+            </a:r>
+            <a:r>
+              <a:rPr lang="en-US"/>
+              <a:t> </a:t>
+            </a:r>
+            <a:r>
+              <a:rPr lang="en-US" dirty="0"/>
+              <a:t>to display the value of a variable</a:t>
+            </a:r>
+          </a:p>
+          <a:p>
+            <a:r>
+              <a:rPr lang="en-US" dirty="0"/>
+              <a:t>Control Statements</a:t>
+            </a:r>
+          </a:p>
+          <a:p>
+            <a:pPr marL="1066785" lvl="1" indent="-381000">
+              <a:lnSpc>
+                <a:spcPct val="115000"/>
+              </a:lnSpc>
+            </a:pPr>
+            <a:r>
+              <a:rPr lang="en-US" dirty="0"/>
+              <a:t>The purpose of </a:t>
+            </a:r>
+            <a:r>
+              <a:rPr lang="en-US" b="1" dirty="0">
+                <a:solidFill>
+                  <a:srgbClr val="0000FF"/>
+                </a:solidFill>
+                <a:latin typeface="Courier New"/>
+                <a:ea typeface="Courier New"/>
+                <a:cs typeface="Courier New"/>
+                <a:sym typeface="Courier New"/>
+              </a:rPr>
+              <a:t>if</a:t>
+            </a:r>
+            <a:r>
+              <a:rPr lang="en-US" dirty="0"/>
+              <a:t> is to define functions that choose different behavior based on their arguments</a:t>
+            </a:r>
+          </a:p>
+          <a:p>
+            <a:pPr marL="1066785" lvl="1" indent="-381000">
+              <a:lnSpc>
+                <a:spcPct val="115000"/>
+              </a:lnSpc>
+            </a:pPr>
+            <a:r>
+              <a:rPr lang="en-US" dirty="0"/>
+              <a:t>The purpose of </a:t>
+            </a:r>
+            <a:r>
+              <a:rPr lang="en-US" b="1" dirty="0">
+                <a:solidFill>
+                  <a:srgbClr val="0000FF"/>
+                </a:solidFill>
+                <a:latin typeface="Courier New"/>
+                <a:ea typeface="Courier New"/>
+                <a:cs typeface="Courier New"/>
+                <a:sym typeface="Courier New"/>
+              </a:rPr>
+              <a:t>for</a:t>
+            </a:r>
+            <a:r>
+              <a:rPr lang="en-US" dirty="0"/>
+              <a:t> is to perform a computation for every element in a list or array</a:t>
+            </a:r>
+          </a:p>
+          <a:p>
+            <a:pPr lvl="1"/>
+            <a:endParaRPr lang="en-US" dirty="0"/>
+          </a:p>
+        </p:txBody>
+      </p:sp>
+      <p:sp>
+        <p:nvSpPr>
+          <p:cNvPr id="4" name="Google Shape;173;p33">
+            <a:extLst>
+              <a:ext uri="{FF2B5EF4-FFF2-40B4-BE49-F238E27FC236}">
+                <a16:creationId xmlns:a16="http://schemas.microsoft.com/office/drawing/2014/main" id="{BC6C7AA7-ED62-2C43-B1BC-E9F42E0BC7E2}"/>
+              </a:ext>
+            </a:extLst>
+          </p:cNvPr>
+          <p:cNvSpPr txBox="1"/>
+          <p:nvPr/>
+        </p:nvSpPr>
+        <p:spPr>
+          <a:xfrm>
+            <a:off x="5271393" y="5462531"/>
+            <a:ext cx="1838400" cy="1000000"/>
+          </a:xfrm>
+          <a:prstGeom prst="rect">
+            <a:avLst/>
+          </a:prstGeom>
+          <a:noFill/>
+          <a:ln>
+            <a:noFill/>
+          </a:ln>
+        </p:spPr>
+        <p:txBody>
+          <a:bodyPr spcFirstLastPara="1" wrap="square" lIns="121900" tIns="121900" rIns="121900" bIns="121900" anchor="ctr" anchorCtr="0">
+            <a:noAutofit/>
+          </a:bodyPr>
+          <a:lstStyle/>
+          <a:p>
+            <a:pPr algn="ctr"/>
+            <a:r>
+              <a:rPr lang="en" sz="3200" dirty="0">
+                <a:solidFill>
+                  <a:srgbClr val="3B7EA1"/>
+                </a:solidFill>
+              </a:rPr>
+              <a:t>(Demo)</a:t>
+            </a:r>
+            <a:endParaRPr sz="3200" dirty="0">
+              <a:solidFill>
+                <a:srgbClr val="3B7EA1"/>
+              </a:solidFill>
+            </a:endParaRPr>
+          </a:p>
+        </p:txBody>
+      </p:sp>
+    </p:spTree>
+    <p:extLst>
+      <p:ext uri="{BB962C8B-B14F-4D97-AF65-F5344CB8AC3E}">
+        <p14:creationId xmlns:p14="http://schemas.microsoft.com/office/powerpoint/2010/main" val="367875773"/>
+      </p:ext>
+    </p:extLst>
+  </p:cSld>
+  <p:clrMapOvr>
+    <a:masterClrMapping/>
+  </p:clrMapOvr>
+  <p:timing>
+    <p:tnLst>
+      <p:par>
+        <p:cTn id="1" dur="indefinite" restart="never" nodeType="tmRoot">
+          <p:childTnLst>
+            <p:seq concurrent="1" nextAc="seek">
+              <p:cTn id="2" dur="indefinite" nodeType="mainSeq">
+                <p:childTnLst>
+                  <p:par>
+                    <p:cTn id="3" fill="hold">
+                      <p:stCondLst>
+                        <p:cond delay="indefinite"/>
+                      </p:stCondLst>
+                      <p:childTnLst>
+                        <p:par>
+                          <p:cTn id="4" fill="hold">
+                            <p:stCondLst>
+                              <p:cond delay="0"/>
+                            </p:stCondLst>
+                            <p:childTnLst>
+                              <p:par>
+                                <p:cTn id="5" presetID="10" presetClass="entr" presetSubtype="0" fill="hold" nodeType="clickEffect">
+                                  <p:stCondLst>
+                                    <p:cond delay="0"/>
+                                  </p:stCondLst>
+                                  <p:childTnLst>
+                                    <p:set>
+                                      <p:cBhvr>
+                                        <p:cTn id="6" dur="1" fill="hold">
+                                          <p:stCondLst>
+                                            <p:cond delay="0"/>
+                                          </p:stCondLst>
+                                        </p:cTn>
+                                        <p:tgtEl>
+                                          <p:spTgt spid="4"/>
+                                        </p:tgtEl>
+                                        <p:attrNameLst>
+                                          <p:attrName>style.visibility</p:attrName>
+                                        </p:attrNameLst>
+                                      </p:cBhvr>
+                                      <p:to>
+                                        <p:strVal val="visible"/>
+                                      </p:to>
+                                    </p:set>
+                                    <p:animEffect transition="in" filter="fade">
+                                      <p:cBhvr>
+                                        <p:cTn id="7" dur="1"/>
+                                        <p:tgtEl>
+                                          <p:spTgt spid="4"/>
+                                        </p:tgtEl>
+                                      </p:cBhvr>
+                                    </p:animEffect>
+                                  </p:childTnLst>
+                                </p:cTn>
+                              </p:par>
+                            </p:childTnLst>
+                          </p:cTn>
+                        </p:par>
+                      </p:childTnLst>
+                    </p:cTn>
+                  </p:par>
+                </p:childTnLst>
+              </p:cTn>
+              <p:prevCondLst>
+                <p:cond evt="onPrev" delay="0">
+                  <p:tgtEl>
+                    <p:sldTgt/>
+                  </p:tgtEl>
+                </p:cond>
+              </p:prevCondLst>
+              <p:nextCondLst>
+                <p:cond evt="onNext" delay="0">
+                  <p:tgtEl>
+                    <p:sldTgt/>
+                  </p:tgtEl>
+                </p:cond>
+              </p:nextCondLst>
+            </p:seq>
+          </p:childTnLst>
+        </p:cTn>
+      </p:par>
+    </p:tnLst>
+  </p:timing>
+</p:sld>
+</file>
+
+<file path=ppt/slides/slide6.xml><?xml version="1.0" encoding="utf-8"?>
 <p:sld xmlns:a="http://schemas.openxmlformats.org/drawingml/2006/main" xmlns:r="http://schemas.openxmlformats.org/officeDocument/2006/relationships" xmlns:p="http://schemas.openxmlformats.org/presentationml/2006/main">
   <p:cSld>
     <p:spTree>
@@ -5857,7 +9799,7 @@
 </p:sld>
 </file>
 
-<file path=ppt/slides/slide3.xml><?xml version="1.0" encoding="utf-8"?>
+<file path=ppt/slides/slide7.xml><?xml version="1.0" encoding="utf-8"?>
 <p:sld xmlns:a="http://schemas.openxmlformats.org/drawingml/2006/main" xmlns:r="http://schemas.openxmlformats.org/officeDocument/2006/relationships" xmlns:p="http://schemas.openxmlformats.org/presentationml/2006/main">
   <p:cSld>
     <p:spTree>
@@ -6450,7 +10392,7 @@
 </p:sld>
 </file>
 
-<file path=ppt/slides/slide4.xml><?xml version="1.0" encoding="utf-8"?>
+<file path=ppt/slides/slide8.xml><?xml version="1.0" encoding="utf-8"?>
 <p:sld xmlns:a="http://schemas.openxmlformats.org/drawingml/2006/main" xmlns:r="http://schemas.openxmlformats.org/officeDocument/2006/relationships" xmlns:p="http://schemas.openxmlformats.org/presentationml/2006/main">
   <p:cSld>
     <p:spTree>
@@ -7259,7 +11201,7 @@
 </p:sld>
 </file>
 
-<file path=ppt/slides/slide5.xml><?xml version="1.0" encoding="utf-8"?>
+<file path=ppt/slides/slide9.xml><?xml version="1.0" encoding="utf-8"?>
 <p:sld xmlns:a="http://schemas.openxmlformats.org/drawingml/2006/main" xmlns:r="http://schemas.openxmlformats.org/officeDocument/2006/relationships" xmlns:p="http://schemas.openxmlformats.org/presentationml/2006/main">
   <p:cSld>
     <p:spTree>
@@ -7345,1137 +11287,6 @@
     <p:extLst>
       <p:ext uri="{BB962C8B-B14F-4D97-AF65-F5344CB8AC3E}">
         <p14:creationId xmlns:p14="http://schemas.microsoft.com/office/powerpoint/2010/main" val="2033545230"/>
-      </p:ext>
-    </p:extLst>
-  </p:cSld>
-  <p:clrMapOvr>
-    <a:masterClrMapping/>
-  </p:clrMapOvr>
-</p:sld>
-</file>
-
-<file path=ppt/slides/slide6.xml><?xml version="1.0" encoding="utf-8"?>
-<p:sld xmlns:a="http://schemas.openxmlformats.org/drawingml/2006/main" xmlns:r="http://schemas.openxmlformats.org/officeDocument/2006/relationships" xmlns:p="http://schemas.openxmlformats.org/presentationml/2006/main">
-  <p:cSld>
-    <p:spTree>
-      <p:nvGrpSpPr>
-        <p:cNvPr id="1" name="Shape 129"/>
-        <p:cNvGrpSpPr/>
-        <p:nvPr/>
-      </p:nvGrpSpPr>
-      <p:grpSpPr>
-        <a:xfrm>
-          <a:off x="0" y="0"/>
-          <a:ext cx="0" cy="0"/>
-          <a:chOff x="0" y="0"/>
-          <a:chExt cx="0" cy="0"/>
-        </a:xfrm>
-      </p:grpSpPr>
-      <p:sp>
-        <p:nvSpPr>
-          <p:cNvPr id="130" name="Google Shape;130;p27"/>
-          <p:cNvSpPr txBox="1">
-            <a:spLocks noGrp="1"/>
-          </p:cNvSpPr>
-          <p:nvPr>
-            <p:ph type="title"/>
-          </p:nvPr>
-        </p:nvSpPr>
-        <p:spPr>
-          <a:xfrm>
-            <a:off x="609600" y="274637"/>
-            <a:ext cx="8940800" cy="901200"/>
-          </a:xfrm>
-          <a:prstGeom prst="rect">
-            <a:avLst/>
-          </a:prstGeom>
-        </p:spPr>
-        <p:txBody>
-          <a:bodyPr spcFirstLastPara="1" vert="horz" wrap="square" lIns="121900" tIns="121900" rIns="121900" bIns="121900" rtlCol="0" anchor="b" anchorCtr="0">
-            <a:noAutofit/>
-          </a:bodyPr>
-          <a:lstStyle/>
-          <a:p>
-            <a:r>
-              <a:rPr lang="en" dirty="0">
-                <a:latin typeface="+mj-lt"/>
-              </a:rPr>
-              <a:t>Group</a:t>
-            </a:r>
-            <a:endParaRPr dirty="0">
-              <a:latin typeface="+mj-lt"/>
-            </a:endParaRPr>
-          </a:p>
-        </p:txBody>
-      </p:sp>
-      <p:sp>
-        <p:nvSpPr>
-          <p:cNvPr id="131" name="Google Shape;131;p27"/>
-          <p:cNvSpPr txBox="1">
-            <a:spLocks noGrp="1"/>
-          </p:cNvSpPr>
-          <p:nvPr>
-            <p:ph type="body" idx="1"/>
-          </p:nvPr>
-        </p:nvSpPr>
-        <p:spPr>
-          <a:xfrm>
-            <a:off x="609600" y="1295400"/>
-            <a:ext cx="10972800" cy="4830800"/>
-          </a:xfrm>
-          <a:prstGeom prst="rect">
-            <a:avLst/>
-          </a:prstGeom>
-        </p:spPr>
-        <p:txBody>
-          <a:bodyPr spcFirstLastPara="1" vert="horz" wrap="square" lIns="121900" tIns="121900" rIns="121900" bIns="121900" rtlCol="0" anchor="t" anchorCtr="0">
-            <a:noAutofit/>
-          </a:bodyPr>
-          <a:lstStyle/>
-          <a:p>
-            <a:pPr marL="0" indent="0">
-              <a:buNone/>
-            </a:pPr>
-            <a:r>
-              <a:rPr lang="en"/>
-              <a:t>The </a:t>
-            </a:r>
-            <a:r>
-              <a:rPr lang="en" b="1">
-                <a:solidFill>
-                  <a:srgbClr val="3B7EA1"/>
-                </a:solidFill>
-                <a:latin typeface="Courier New"/>
-                <a:ea typeface="Courier New"/>
-                <a:cs typeface="Courier New"/>
-                <a:sym typeface="Courier New"/>
-              </a:rPr>
-              <a:t>group</a:t>
-            </a:r>
-            <a:r>
-              <a:rPr lang="en"/>
-              <a:t> method aggregates all rows with the same value for a column into a single row in the result</a:t>
-            </a:r>
-            <a:endParaRPr/>
-          </a:p>
-          <a:p>
-            <a:pPr>
-              <a:spcBef>
-                <a:spcPts val="533"/>
-              </a:spcBef>
-            </a:pPr>
-            <a:r>
-              <a:rPr lang="en"/>
-              <a:t>First argument: 		Which column to group by</a:t>
-            </a:r>
-            <a:endParaRPr/>
-          </a:p>
-          <a:p>
-            <a:r>
-              <a:rPr lang="en"/>
-              <a:t>Second argument: 	(Optional) How to combine values</a:t>
-            </a:r>
-            <a:endParaRPr/>
-          </a:p>
-          <a:p>
-            <a:pPr lvl="1">
-              <a:spcBef>
-                <a:spcPts val="0"/>
-              </a:spcBef>
-            </a:pPr>
-            <a:r>
-              <a:rPr lang="en" b="1">
-                <a:solidFill>
-                  <a:srgbClr val="3B7EA1"/>
-                </a:solidFill>
-                <a:latin typeface="Courier New"/>
-                <a:ea typeface="Courier New"/>
-                <a:cs typeface="Courier New"/>
-                <a:sym typeface="Courier New"/>
-              </a:rPr>
-              <a:t>len  </a:t>
-            </a:r>
-            <a:r>
-              <a:rPr lang="en"/>
-              <a:t>— number of grouped values (default)</a:t>
-            </a:r>
-            <a:endParaRPr/>
-          </a:p>
-          <a:p>
-            <a:pPr lvl="1">
-              <a:lnSpc>
-                <a:spcPct val="100000"/>
-              </a:lnSpc>
-              <a:spcBef>
-                <a:spcPts val="0"/>
-              </a:spcBef>
-            </a:pPr>
-            <a:r>
-              <a:rPr lang="en" b="1">
-                <a:solidFill>
-                  <a:srgbClr val="3B7EA1"/>
-                </a:solidFill>
-                <a:latin typeface="Courier New"/>
-                <a:ea typeface="Courier New"/>
-                <a:cs typeface="Courier New"/>
-                <a:sym typeface="Courier New"/>
-              </a:rPr>
-              <a:t>sum  </a:t>
-            </a:r>
-            <a:r>
-              <a:rPr lang="en"/>
-              <a:t>— total of all grouped values</a:t>
-            </a:r>
-            <a:endParaRPr/>
-          </a:p>
-          <a:p>
-            <a:pPr lvl="1">
-              <a:lnSpc>
-                <a:spcPct val="100000"/>
-              </a:lnSpc>
-              <a:spcBef>
-                <a:spcPts val="0"/>
-              </a:spcBef>
-            </a:pPr>
-            <a:r>
-              <a:rPr lang="en" b="1">
-                <a:solidFill>
-                  <a:srgbClr val="3B7EA1"/>
-                </a:solidFill>
-                <a:latin typeface="Courier New"/>
-                <a:ea typeface="Courier New"/>
-                <a:cs typeface="Courier New"/>
-                <a:sym typeface="Courier New"/>
-              </a:rPr>
-              <a:t>list </a:t>
-            </a:r>
-            <a:r>
-              <a:rPr lang="en"/>
-              <a:t>— list of all grouped values</a:t>
-            </a:r>
-            <a:endParaRPr/>
-          </a:p>
-        </p:txBody>
-      </p:sp>
-      <p:sp>
-        <p:nvSpPr>
-          <p:cNvPr id="132" name="Google Shape;132;p27"/>
-          <p:cNvSpPr txBox="1"/>
-          <p:nvPr/>
-        </p:nvSpPr>
-        <p:spPr>
-          <a:xfrm>
-            <a:off x="5018800" y="5170203"/>
-            <a:ext cx="2154400" cy="830800"/>
-          </a:xfrm>
-          <a:prstGeom prst="rect">
-            <a:avLst/>
-          </a:prstGeom>
-          <a:noFill/>
-          <a:ln>
-            <a:noFill/>
-          </a:ln>
-        </p:spPr>
-        <p:txBody>
-          <a:bodyPr spcFirstLastPara="1" wrap="square" lIns="121900" tIns="121900" rIns="121900" bIns="121900" anchor="t" anchorCtr="0">
-            <a:noAutofit/>
-          </a:bodyPr>
-          <a:lstStyle/>
-          <a:p>
-            <a:pPr algn="ctr"/>
-            <a:r>
-              <a:rPr lang="en" sz="3200">
-                <a:solidFill>
-                  <a:srgbClr val="3B7EA1"/>
-                </a:solidFill>
-              </a:rPr>
-              <a:t>(Demo)</a:t>
-            </a:r>
-            <a:endParaRPr sz="3200">
-              <a:solidFill>
-                <a:srgbClr val="3B7EA1"/>
-              </a:solidFill>
-            </a:endParaRPr>
-          </a:p>
-        </p:txBody>
-      </p:sp>
-    </p:spTree>
-    <p:extLst>
-      <p:ext uri="{BB962C8B-B14F-4D97-AF65-F5344CB8AC3E}">
-        <p14:creationId xmlns:p14="http://schemas.microsoft.com/office/powerpoint/2010/main" val="202644895"/>
-      </p:ext>
-    </p:extLst>
-  </p:cSld>
-  <p:clrMapOvr>
-    <a:masterClrMapping/>
-  </p:clrMapOvr>
-  <p:timing>
-    <p:tnLst>
-      <p:par>
-        <p:cTn id="1" dur="indefinite" restart="never" nodeType="tmRoot">
-          <p:childTnLst>
-            <p:seq concurrent="1" nextAc="seek">
-              <p:cTn id="2" dur="indefinite" nodeType="mainSeq">
-                <p:childTnLst>
-                  <p:par>
-                    <p:cTn id="3" fill="hold">
-                      <p:stCondLst>
-                        <p:cond delay="indefinite"/>
-                      </p:stCondLst>
-                      <p:childTnLst>
-                        <p:par>
-                          <p:cTn id="4" fill="hold">
-                            <p:stCondLst>
-                              <p:cond delay="0"/>
-                            </p:stCondLst>
-                            <p:childTnLst>
-                              <p:par>
-                                <p:cTn id="5" presetID="1" presetClass="entr" presetSubtype="0" fill="hold" nodeType="clickEffect">
-                                  <p:stCondLst>
-                                    <p:cond delay="0"/>
-                                  </p:stCondLst>
-                                  <p:childTnLst>
-                                    <p:set>
-                                      <p:cBhvr>
-                                        <p:cTn id="6" dur="1" fill="hold">
-                                          <p:stCondLst>
-                                            <p:cond delay="0"/>
-                                          </p:stCondLst>
-                                        </p:cTn>
-                                        <p:tgtEl>
-                                          <p:spTgt spid="131">
-                                            <p:txEl>
-                                              <p:pRg st="0" end="0"/>
-                                            </p:txEl>
-                                          </p:spTgt>
-                                        </p:tgtEl>
-                                        <p:attrNameLst>
-                                          <p:attrName>style.visibility</p:attrName>
-                                        </p:attrNameLst>
-                                      </p:cBhvr>
-                                      <p:to>
-                                        <p:strVal val="visible"/>
-                                      </p:to>
-                                    </p:set>
-                                  </p:childTnLst>
-                                </p:cTn>
-                              </p:par>
-                            </p:childTnLst>
-                          </p:cTn>
-                        </p:par>
-                      </p:childTnLst>
-                    </p:cTn>
-                  </p:par>
-                  <p:par>
-                    <p:cTn id="7" fill="hold">
-                      <p:stCondLst>
-                        <p:cond delay="indefinite"/>
-                      </p:stCondLst>
-                      <p:childTnLst>
-                        <p:par>
-                          <p:cTn id="8" fill="hold">
-                            <p:stCondLst>
-                              <p:cond delay="0"/>
-                            </p:stCondLst>
-                            <p:childTnLst>
-                              <p:par>
-                                <p:cTn id="9" presetID="1" presetClass="entr" presetSubtype="0" fill="hold" nodeType="clickEffect">
-                                  <p:stCondLst>
-                                    <p:cond delay="0"/>
-                                  </p:stCondLst>
-                                  <p:childTnLst>
-                                    <p:set>
-                                      <p:cBhvr>
-                                        <p:cTn id="10" dur="1" fill="hold">
-                                          <p:stCondLst>
-                                            <p:cond delay="0"/>
-                                          </p:stCondLst>
-                                        </p:cTn>
-                                        <p:tgtEl>
-                                          <p:spTgt spid="131">
-                                            <p:txEl>
-                                              <p:pRg st="1" end="1"/>
-                                            </p:txEl>
-                                          </p:spTgt>
-                                        </p:tgtEl>
-                                        <p:attrNameLst>
-                                          <p:attrName>style.visibility</p:attrName>
-                                        </p:attrNameLst>
-                                      </p:cBhvr>
-                                      <p:to>
-                                        <p:strVal val="visible"/>
-                                      </p:to>
-                                    </p:set>
-                                  </p:childTnLst>
-                                </p:cTn>
-                              </p:par>
-                            </p:childTnLst>
-                          </p:cTn>
-                        </p:par>
-                      </p:childTnLst>
-                    </p:cTn>
-                  </p:par>
-                  <p:par>
-                    <p:cTn id="11" fill="hold">
-                      <p:stCondLst>
-                        <p:cond delay="indefinite"/>
-                      </p:stCondLst>
-                      <p:childTnLst>
-                        <p:par>
-                          <p:cTn id="12" fill="hold">
-                            <p:stCondLst>
-                              <p:cond delay="0"/>
-                            </p:stCondLst>
-                            <p:childTnLst>
-                              <p:par>
-                                <p:cTn id="13" presetID="1" presetClass="entr" presetSubtype="0" fill="hold" nodeType="clickEffect">
-                                  <p:stCondLst>
-                                    <p:cond delay="0"/>
-                                  </p:stCondLst>
-                                  <p:childTnLst>
-                                    <p:set>
-                                      <p:cBhvr>
-                                        <p:cTn id="14" dur="1" fill="hold">
-                                          <p:stCondLst>
-                                            <p:cond delay="0"/>
-                                          </p:stCondLst>
-                                        </p:cTn>
-                                        <p:tgtEl>
-                                          <p:spTgt spid="131">
-                                            <p:txEl>
-                                              <p:pRg st="2" end="2"/>
-                                            </p:txEl>
-                                          </p:spTgt>
-                                        </p:tgtEl>
-                                        <p:attrNameLst>
-                                          <p:attrName>style.visibility</p:attrName>
-                                        </p:attrNameLst>
-                                      </p:cBhvr>
-                                      <p:to>
-                                        <p:strVal val="visible"/>
-                                      </p:to>
-                                    </p:set>
-                                  </p:childTnLst>
-                                </p:cTn>
-                              </p:par>
-                            </p:childTnLst>
-                          </p:cTn>
-                        </p:par>
-                      </p:childTnLst>
-                    </p:cTn>
-                  </p:par>
-                  <p:par>
-                    <p:cTn id="15" fill="hold">
-                      <p:stCondLst>
-                        <p:cond delay="indefinite"/>
-                      </p:stCondLst>
-                      <p:childTnLst>
-                        <p:par>
-                          <p:cTn id="16" fill="hold">
-                            <p:stCondLst>
-                              <p:cond delay="0"/>
-                            </p:stCondLst>
-                            <p:childTnLst>
-                              <p:par>
-                                <p:cTn id="17" presetID="1" presetClass="entr" presetSubtype="0" fill="hold" nodeType="clickEffect">
-                                  <p:stCondLst>
-                                    <p:cond delay="0"/>
-                                  </p:stCondLst>
-                                  <p:childTnLst>
-                                    <p:set>
-                                      <p:cBhvr>
-                                        <p:cTn id="18" dur="1" fill="hold">
-                                          <p:stCondLst>
-                                            <p:cond delay="0"/>
-                                          </p:stCondLst>
-                                        </p:cTn>
-                                        <p:tgtEl>
-                                          <p:spTgt spid="131">
-                                            <p:txEl>
-                                              <p:pRg st="3" end="3"/>
-                                            </p:txEl>
-                                          </p:spTgt>
-                                        </p:tgtEl>
-                                        <p:attrNameLst>
-                                          <p:attrName>style.visibility</p:attrName>
-                                        </p:attrNameLst>
-                                      </p:cBhvr>
-                                      <p:to>
-                                        <p:strVal val="visible"/>
-                                      </p:to>
-                                    </p:set>
-                                  </p:childTnLst>
-                                </p:cTn>
-                              </p:par>
-                            </p:childTnLst>
-                          </p:cTn>
-                        </p:par>
-                      </p:childTnLst>
-                    </p:cTn>
-                  </p:par>
-                  <p:par>
-                    <p:cTn id="19" fill="hold">
-                      <p:stCondLst>
-                        <p:cond delay="indefinite"/>
-                      </p:stCondLst>
-                      <p:childTnLst>
-                        <p:par>
-                          <p:cTn id="20" fill="hold">
-                            <p:stCondLst>
-                              <p:cond delay="0"/>
-                            </p:stCondLst>
-                            <p:childTnLst>
-                              <p:par>
-                                <p:cTn id="21" presetID="1" presetClass="entr" presetSubtype="0" fill="hold" nodeType="clickEffect">
-                                  <p:stCondLst>
-                                    <p:cond delay="0"/>
-                                  </p:stCondLst>
-                                  <p:childTnLst>
-                                    <p:set>
-                                      <p:cBhvr>
-                                        <p:cTn id="22" dur="1" fill="hold">
-                                          <p:stCondLst>
-                                            <p:cond delay="0"/>
-                                          </p:stCondLst>
-                                        </p:cTn>
-                                        <p:tgtEl>
-                                          <p:spTgt spid="131">
-                                            <p:txEl>
-                                              <p:pRg st="4" end="4"/>
-                                            </p:txEl>
-                                          </p:spTgt>
-                                        </p:tgtEl>
-                                        <p:attrNameLst>
-                                          <p:attrName>style.visibility</p:attrName>
-                                        </p:attrNameLst>
-                                      </p:cBhvr>
-                                      <p:to>
-                                        <p:strVal val="visible"/>
-                                      </p:to>
-                                    </p:set>
-                                  </p:childTnLst>
-                                </p:cTn>
-                              </p:par>
-                            </p:childTnLst>
-                          </p:cTn>
-                        </p:par>
-                      </p:childTnLst>
-                    </p:cTn>
-                  </p:par>
-                  <p:par>
-                    <p:cTn id="23" fill="hold">
-                      <p:stCondLst>
-                        <p:cond delay="indefinite"/>
-                      </p:stCondLst>
-                      <p:childTnLst>
-                        <p:par>
-                          <p:cTn id="24" fill="hold">
-                            <p:stCondLst>
-                              <p:cond delay="0"/>
-                            </p:stCondLst>
-                            <p:childTnLst>
-                              <p:par>
-                                <p:cTn id="25" presetID="1" presetClass="entr" presetSubtype="0" fill="hold" nodeType="clickEffect">
-                                  <p:stCondLst>
-                                    <p:cond delay="0"/>
-                                  </p:stCondLst>
-                                  <p:childTnLst>
-                                    <p:set>
-                                      <p:cBhvr>
-                                        <p:cTn id="26" dur="1" fill="hold">
-                                          <p:stCondLst>
-                                            <p:cond delay="0"/>
-                                          </p:stCondLst>
-                                        </p:cTn>
-                                        <p:tgtEl>
-                                          <p:spTgt spid="131">
-                                            <p:txEl>
-                                              <p:pRg st="5" end="5"/>
-                                            </p:txEl>
-                                          </p:spTgt>
-                                        </p:tgtEl>
-                                        <p:attrNameLst>
-                                          <p:attrName>style.visibility</p:attrName>
-                                        </p:attrNameLst>
-                                      </p:cBhvr>
-                                      <p:to>
-                                        <p:strVal val="visible"/>
-                                      </p:to>
-                                    </p:set>
-                                  </p:childTnLst>
-                                </p:cTn>
-                              </p:par>
-                            </p:childTnLst>
-                          </p:cTn>
-                        </p:par>
-                      </p:childTnLst>
-                    </p:cTn>
-                  </p:par>
-                  <p:par>
-                    <p:cTn id="27" fill="hold">
-                      <p:stCondLst>
-                        <p:cond delay="indefinite"/>
-                      </p:stCondLst>
-                      <p:childTnLst>
-                        <p:par>
-                          <p:cTn id="28" fill="hold">
-                            <p:stCondLst>
-                              <p:cond delay="0"/>
-                            </p:stCondLst>
-                            <p:childTnLst>
-                              <p:par>
-                                <p:cTn id="29" presetID="1" presetClass="entr" presetSubtype="0" fill="hold" nodeType="clickEffect">
-                                  <p:stCondLst>
-                                    <p:cond delay="0"/>
-                                  </p:stCondLst>
-                                  <p:childTnLst>
-                                    <p:set>
-                                      <p:cBhvr>
-                                        <p:cTn id="30" dur="1" fill="hold">
-                                          <p:stCondLst>
-                                            <p:cond delay="0"/>
-                                          </p:stCondLst>
-                                        </p:cTn>
-                                        <p:tgtEl>
-                                          <p:spTgt spid="132"/>
-                                        </p:tgtEl>
-                                        <p:attrNameLst>
-                                          <p:attrName>style.visibility</p:attrName>
-                                        </p:attrNameLst>
-                                      </p:cBhvr>
-                                      <p:to>
-                                        <p:strVal val="visible"/>
-                                      </p:to>
-                                    </p:set>
-                                  </p:childTnLst>
-                                </p:cTn>
-                              </p:par>
-                            </p:childTnLst>
-                          </p:cTn>
-                        </p:par>
-                      </p:childTnLst>
-                    </p:cTn>
-                  </p:par>
-                </p:childTnLst>
-              </p:cTn>
-              <p:prevCondLst>
-                <p:cond evt="onPrev" delay="0">
-                  <p:tgtEl>
-                    <p:sldTgt/>
-                  </p:tgtEl>
-                </p:cond>
-              </p:prevCondLst>
-              <p:nextCondLst>
-                <p:cond evt="onNext" delay="0">
-                  <p:tgtEl>
-                    <p:sldTgt/>
-                  </p:tgtEl>
-                </p:cond>
-              </p:nextCondLst>
-            </p:seq>
-          </p:childTnLst>
-        </p:cTn>
-      </p:par>
-    </p:tnLst>
-  </p:timing>
-</p:sld>
-</file>
-
-<file path=ppt/slides/slide7.xml><?xml version="1.0" encoding="utf-8"?>
-<p:sld xmlns:a="http://schemas.openxmlformats.org/drawingml/2006/main" xmlns:r="http://schemas.openxmlformats.org/officeDocument/2006/relationships" xmlns:p="http://schemas.openxmlformats.org/presentationml/2006/main">
-  <p:cSld>
-    <p:spTree>
-      <p:nvGrpSpPr>
-        <p:cNvPr id="1" name="Shape 136"/>
-        <p:cNvGrpSpPr/>
-        <p:nvPr/>
-      </p:nvGrpSpPr>
-      <p:grpSpPr>
-        <a:xfrm>
-          <a:off x="0" y="0"/>
-          <a:ext cx="0" cy="0"/>
-          <a:chOff x="0" y="0"/>
-          <a:chExt cx="0" cy="0"/>
-        </a:xfrm>
-      </p:grpSpPr>
-      <p:sp>
-        <p:nvSpPr>
-          <p:cNvPr id="137" name="Google Shape;137;p28"/>
-          <p:cNvSpPr txBox="1">
-            <a:spLocks noGrp="1"/>
-          </p:cNvSpPr>
-          <p:nvPr>
-            <p:ph type="title"/>
-          </p:nvPr>
-        </p:nvSpPr>
-        <p:spPr>
-          <a:xfrm>
-            <a:off x="609600" y="274637"/>
-            <a:ext cx="8940800" cy="901200"/>
-          </a:xfrm>
-          <a:prstGeom prst="rect">
-            <a:avLst/>
-          </a:prstGeom>
-        </p:spPr>
-        <p:txBody>
-          <a:bodyPr spcFirstLastPara="1" vert="horz" wrap="square" lIns="121900" tIns="121900" rIns="121900" bIns="121900" rtlCol="0" anchor="b" anchorCtr="0">
-            <a:noAutofit/>
-          </a:bodyPr>
-          <a:lstStyle/>
-          <a:p>
-            <a:r>
-              <a:rPr lang="en" dirty="0">
-                <a:latin typeface="+mj-lt"/>
-              </a:rPr>
-              <a:t>Grouping By Two Columns</a:t>
-            </a:r>
-            <a:endParaRPr dirty="0">
-              <a:latin typeface="+mj-lt"/>
-            </a:endParaRPr>
-          </a:p>
-        </p:txBody>
-      </p:sp>
-      <p:sp>
-        <p:nvSpPr>
-          <p:cNvPr id="138" name="Google Shape;138;p28"/>
-          <p:cNvSpPr txBox="1">
-            <a:spLocks noGrp="1"/>
-          </p:cNvSpPr>
-          <p:nvPr>
-            <p:ph type="body" idx="1"/>
-          </p:nvPr>
-        </p:nvSpPr>
-        <p:spPr>
-          <a:xfrm>
-            <a:off x="609600" y="1295400"/>
-            <a:ext cx="10972800" cy="4830800"/>
-          </a:xfrm>
-          <a:prstGeom prst="rect">
-            <a:avLst/>
-          </a:prstGeom>
-        </p:spPr>
-        <p:txBody>
-          <a:bodyPr spcFirstLastPara="1" vert="horz" wrap="square" lIns="121900" tIns="121900" rIns="121900" bIns="121900" rtlCol="0" anchor="t" anchorCtr="0">
-            <a:noAutofit/>
-          </a:bodyPr>
-          <a:lstStyle/>
-          <a:p>
-            <a:pPr marL="0" indent="0">
-              <a:buNone/>
-            </a:pPr>
-            <a:r>
-              <a:rPr lang="en"/>
-              <a:t>The </a:t>
-            </a:r>
-            <a:r>
-              <a:rPr lang="en" b="1">
-                <a:solidFill>
-                  <a:srgbClr val="3B7EA1"/>
-                </a:solidFill>
-                <a:latin typeface="Courier New"/>
-                <a:ea typeface="Courier New"/>
-                <a:cs typeface="Courier New"/>
-                <a:sym typeface="Courier New"/>
-              </a:rPr>
-              <a:t>group</a:t>
-            </a:r>
-            <a:r>
-              <a:rPr lang="en"/>
-              <a:t> method can also aggregate all rows that share the combination of values in multiple columns</a:t>
-            </a:r>
-            <a:endParaRPr/>
-          </a:p>
-          <a:p>
-            <a:pPr>
-              <a:spcBef>
-                <a:spcPts val="533"/>
-              </a:spcBef>
-            </a:pPr>
-            <a:r>
-              <a:rPr lang="en"/>
-              <a:t>First argument: 		A list of which columns to group by</a:t>
-            </a:r>
-            <a:endParaRPr/>
-          </a:p>
-          <a:p>
-            <a:r>
-              <a:rPr lang="en"/>
-              <a:t>Second argument: 	(Optional) How to combine values</a:t>
-            </a:r>
-            <a:endParaRPr/>
-          </a:p>
-        </p:txBody>
-      </p:sp>
-      <p:sp>
-        <p:nvSpPr>
-          <p:cNvPr id="139" name="Google Shape;139;p28"/>
-          <p:cNvSpPr txBox="1"/>
-          <p:nvPr/>
-        </p:nvSpPr>
-        <p:spPr>
-          <a:xfrm>
-            <a:off x="5018800" y="4154203"/>
-            <a:ext cx="2154400" cy="830800"/>
-          </a:xfrm>
-          <a:prstGeom prst="rect">
-            <a:avLst/>
-          </a:prstGeom>
-          <a:noFill/>
-          <a:ln>
-            <a:noFill/>
-          </a:ln>
-        </p:spPr>
-        <p:txBody>
-          <a:bodyPr spcFirstLastPara="1" wrap="square" lIns="121900" tIns="121900" rIns="121900" bIns="121900" anchor="t" anchorCtr="0">
-            <a:noAutofit/>
-          </a:bodyPr>
-          <a:lstStyle/>
-          <a:p>
-            <a:pPr algn="ctr"/>
-            <a:r>
-              <a:rPr lang="en" sz="3200">
-                <a:solidFill>
-                  <a:srgbClr val="3B7EA1"/>
-                </a:solidFill>
-              </a:rPr>
-              <a:t>(Demo)</a:t>
-            </a:r>
-            <a:endParaRPr sz="3200">
-              <a:solidFill>
-                <a:srgbClr val="3B7EA1"/>
-              </a:solidFill>
-            </a:endParaRPr>
-          </a:p>
-        </p:txBody>
-      </p:sp>
-    </p:spTree>
-    <p:extLst>
-      <p:ext uri="{BB962C8B-B14F-4D97-AF65-F5344CB8AC3E}">
-        <p14:creationId xmlns:p14="http://schemas.microsoft.com/office/powerpoint/2010/main" val="244796275"/>
-      </p:ext>
-    </p:extLst>
-  </p:cSld>
-  <p:clrMapOvr>
-    <a:masterClrMapping/>
-  </p:clrMapOvr>
-  <p:timing>
-    <p:tnLst>
-      <p:par>
-        <p:cTn id="1" dur="indefinite" restart="never" nodeType="tmRoot">
-          <p:childTnLst>
-            <p:seq concurrent="1" nextAc="seek">
-              <p:cTn id="2" dur="indefinite" nodeType="mainSeq">
-                <p:childTnLst>
-                  <p:par>
-                    <p:cTn id="3" fill="hold">
-                      <p:stCondLst>
-                        <p:cond delay="indefinite"/>
-                      </p:stCondLst>
-                      <p:childTnLst>
-                        <p:par>
-                          <p:cTn id="4" fill="hold">
-                            <p:stCondLst>
-                              <p:cond delay="0"/>
-                            </p:stCondLst>
-                            <p:childTnLst>
-                              <p:par>
-                                <p:cTn id="5" presetID="1" presetClass="entr" presetSubtype="0" fill="hold" nodeType="clickEffect">
-                                  <p:stCondLst>
-                                    <p:cond delay="0"/>
-                                  </p:stCondLst>
-                                  <p:childTnLst>
-                                    <p:set>
-                                      <p:cBhvr>
-                                        <p:cTn id="6" dur="1" fill="hold">
-                                          <p:stCondLst>
-                                            <p:cond delay="0"/>
-                                          </p:stCondLst>
-                                        </p:cTn>
-                                        <p:tgtEl>
-                                          <p:spTgt spid="138">
-                                            <p:txEl>
-                                              <p:pRg st="0" end="0"/>
-                                            </p:txEl>
-                                          </p:spTgt>
-                                        </p:tgtEl>
-                                        <p:attrNameLst>
-                                          <p:attrName>style.visibility</p:attrName>
-                                        </p:attrNameLst>
-                                      </p:cBhvr>
-                                      <p:to>
-                                        <p:strVal val="visible"/>
-                                      </p:to>
-                                    </p:set>
-                                  </p:childTnLst>
-                                </p:cTn>
-                              </p:par>
-                            </p:childTnLst>
-                          </p:cTn>
-                        </p:par>
-                      </p:childTnLst>
-                    </p:cTn>
-                  </p:par>
-                  <p:par>
-                    <p:cTn id="7" fill="hold">
-                      <p:stCondLst>
-                        <p:cond delay="indefinite"/>
-                      </p:stCondLst>
-                      <p:childTnLst>
-                        <p:par>
-                          <p:cTn id="8" fill="hold">
-                            <p:stCondLst>
-                              <p:cond delay="0"/>
-                            </p:stCondLst>
-                            <p:childTnLst>
-                              <p:par>
-                                <p:cTn id="9" presetID="1" presetClass="entr" presetSubtype="0" fill="hold" nodeType="clickEffect">
-                                  <p:stCondLst>
-                                    <p:cond delay="0"/>
-                                  </p:stCondLst>
-                                  <p:childTnLst>
-                                    <p:set>
-                                      <p:cBhvr>
-                                        <p:cTn id="10" dur="1" fill="hold">
-                                          <p:stCondLst>
-                                            <p:cond delay="0"/>
-                                          </p:stCondLst>
-                                        </p:cTn>
-                                        <p:tgtEl>
-                                          <p:spTgt spid="138">
-                                            <p:txEl>
-                                              <p:pRg st="1" end="1"/>
-                                            </p:txEl>
-                                          </p:spTgt>
-                                        </p:tgtEl>
-                                        <p:attrNameLst>
-                                          <p:attrName>style.visibility</p:attrName>
-                                        </p:attrNameLst>
-                                      </p:cBhvr>
-                                      <p:to>
-                                        <p:strVal val="visible"/>
-                                      </p:to>
-                                    </p:set>
-                                  </p:childTnLst>
-                                </p:cTn>
-                              </p:par>
-                            </p:childTnLst>
-                          </p:cTn>
-                        </p:par>
-                      </p:childTnLst>
-                    </p:cTn>
-                  </p:par>
-                  <p:par>
-                    <p:cTn id="11" fill="hold">
-                      <p:stCondLst>
-                        <p:cond delay="indefinite"/>
-                      </p:stCondLst>
-                      <p:childTnLst>
-                        <p:par>
-                          <p:cTn id="12" fill="hold">
-                            <p:stCondLst>
-                              <p:cond delay="0"/>
-                            </p:stCondLst>
-                            <p:childTnLst>
-                              <p:par>
-                                <p:cTn id="13" presetID="1" presetClass="entr" presetSubtype="0" fill="hold" nodeType="clickEffect">
-                                  <p:stCondLst>
-                                    <p:cond delay="0"/>
-                                  </p:stCondLst>
-                                  <p:childTnLst>
-                                    <p:set>
-                                      <p:cBhvr>
-                                        <p:cTn id="14" dur="1" fill="hold">
-                                          <p:stCondLst>
-                                            <p:cond delay="0"/>
-                                          </p:stCondLst>
-                                        </p:cTn>
-                                        <p:tgtEl>
-                                          <p:spTgt spid="138">
-                                            <p:txEl>
-                                              <p:pRg st="2" end="2"/>
-                                            </p:txEl>
-                                          </p:spTgt>
-                                        </p:tgtEl>
-                                        <p:attrNameLst>
-                                          <p:attrName>style.visibility</p:attrName>
-                                        </p:attrNameLst>
-                                      </p:cBhvr>
-                                      <p:to>
-                                        <p:strVal val="visible"/>
-                                      </p:to>
-                                    </p:set>
-                                  </p:childTnLst>
-                                </p:cTn>
-                              </p:par>
-                            </p:childTnLst>
-                          </p:cTn>
-                        </p:par>
-                      </p:childTnLst>
-                    </p:cTn>
-                  </p:par>
-                  <p:par>
-                    <p:cTn id="15" fill="hold">
-                      <p:stCondLst>
-                        <p:cond delay="indefinite"/>
-                      </p:stCondLst>
-                      <p:childTnLst>
-                        <p:par>
-                          <p:cTn id="16" fill="hold">
-                            <p:stCondLst>
-                              <p:cond delay="0"/>
-                            </p:stCondLst>
-                            <p:childTnLst>
-                              <p:par>
-                                <p:cTn id="17" presetID="1" presetClass="entr" presetSubtype="0" fill="hold" nodeType="clickEffect">
-                                  <p:stCondLst>
-                                    <p:cond delay="0"/>
-                                  </p:stCondLst>
-                                  <p:childTnLst>
-                                    <p:set>
-                                      <p:cBhvr>
-                                        <p:cTn id="18" dur="1" fill="hold">
-                                          <p:stCondLst>
-                                            <p:cond delay="0"/>
-                                          </p:stCondLst>
-                                        </p:cTn>
-                                        <p:tgtEl>
-                                          <p:spTgt spid="139"/>
-                                        </p:tgtEl>
-                                        <p:attrNameLst>
-                                          <p:attrName>style.visibility</p:attrName>
-                                        </p:attrNameLst>
-                                      </p:cBhvr>
-                                      <p:to>
-                                        <p:strVal val="visible"/>
-                                      </p:to>
-                                    </p:set>
-                                  </p:childTnLst>
-                                </p:cTn>
-                              </p:par>
-                            </p:childTnLst>
-                          </p:cTn>
-                        </p:par>
-                      </p:childTnLst>
-                    </p:cTn>
-                  </p:par>
-                </p:childTnLst>
-              </p:cTn>
-              <p:prevCondLst>
-                <p:cond evt="onPrev" delay="0">
-                  <p:tgtEl>
-                    <p:sldTgt/>
-                  </p:tgtEl>
-                </p:cond>
-              </p:prevCondLst>
-              <p:nextCondLst>
-                <p:cond evt="onNext" delay="0">
-                  <p:tgtEl>
-                    <p:sldTgt/>
-                  </p:tgtEl>
-                </p:cond>
-              </p:nextCondLst>
-            </p:seq>
-          </p:childTnLst>
-        </p:cTn>
-      </p:par>
-    </p:tnLst>
-  </p:timing>
-</p:sld>
-</file>
-
-<file path=ppt/slides/slide8.xml><?xml version="1.0" encoding="utf-8"?>
-<p:sld xmlns:a="http://schemas.openxmlformats.org/drawingml/2006/main" xmlns:r="http://schemas.openxmlformats.org/officeDocument/2006/relationships" xmlns:p="http://schemas.openxmlformats.org/presentationml/2006/main">
-  <p:cSld>
-    <p:spTree>
-      <p:nvGrpSpPr>
-        <p:cNvPr id="1" name=""/>
-        <p:cNvGrpSpPr/>
-        <p:nvPr/>
-      </p:nvGrpSpPr>
-      <p:grpSpPr>
-        <a:xfrm>
-          <a:off x="0" y="0"/>
-          <a:ext cx="0" cy="0"/>
-          <a:chOff x="0" y="0"/>
-          <a:chExt cx="0" cy="0"/>
-        </a:xfrm>
-      </p:grpSpPr>
-      <p:sp>
-        <p:nvSpPr>
-          <p:cNvPr id="2" name="Title 1">
-            <a:extLst>
-              <a:ext uri="{FF2B5EF4-FFF2-40B4-BE49-F238E27FC236}">
-                <a16:creationId xmlns:a16="http://schemas.microsoft.com/office/drawing/2014/main" id="{F21EFC3A-C237-424D-A4A0-7AFB55D6D316}"/>
-              </a:ext>
-            </a:extLst>
-          </p:cNvPr>
-          <p:cNvSpPr>
-            <a:spLocks noGrp="1"/>
-          </p:cNvSpPr>
-          <p:nvPr>
-            <p:ph type="title"/>
-          </p:nvPr>
-        </p:nvSpPr>
-        <p:spPr/>
-        <p:txBody>
-          <a:bodyPr/>
-          <a:lstStyle/>
-          <a:p>
-            <a:r>
-              <a:rPr lang="en-US" b="1" dirty="0"/>
-              <a:t>What’s next?</a:t>
-            </a:r>
-          </a:p>
-        </p:txBody>
-      </p:sp>
-      <p:sp>
-        <p:nvSpPr>
-          <p:cNvPr id="3" name="Content Placeholder 2">
-            <a:extLst>
-              <a:ext uri="{FF2B5EF4-FFF2-40B4-BE49-F238E27FC236}">
-                <a16:creationId xmlns:a16="http://schemas.microsoft.com/office/drawing/2014/main" id="{2D4D5E85-9BC7-9B40-993C-3FE5817CA190}"/>
-              </a:ext>
-            </a:extLst>
-          </p:cNvPr>
-          <p:cNvSpPr>
-            <a:spLocks noGrp="1"/>
-          </p:cNvSpPr>
-          <p:nvPr>
-            <p:ph idx="1"/>
-          </p:nvPr>
-        </p:nvSpPr>
-        <p:spPr/>
-        <p:txBody>
-          <a:bodyPr/>
-          <a:lstStyle/>
-          <a:p>
-            <a:r>
-              <a:rPr lang="en-US" dirty="0"/>
-              <a:t>Read Chapter 8-9 of </a:t>
-            </a:r>
-            <a:r>
-              <a:rPr lang="en-US" i="1" dirty="0">
-                <a:hlinkClick r:id="rId2"/>
-              </a:rPr>
-              <a:t>Computational and Inferential Thinking</a:t>
-            </a:r>
-            <a:endParaRPr lang="en-US" i="1" dirty="0"/>
-          </a:p>
-          <a:p>
-            <a:endParaRPr lang="en-US" i="1" dirty="0"/>
-          </a:p>
-          <a:p>
-            <a:r>
-              <a:rPr lang="en-US" dirty="0"/>
-              <a:t>Start working on Project 1</a:t>
-            </a:r>
-          </a:p>
-        </p:txBody>
-      </p:sp>
-    </p:spTree>
-    <p:extLst>
-      <p:ext uri="{BB962C8B-B14F-4D97-AF65-F5344CB8AC3E}">
-        <p14:creationId xmlns:p14="http://schemas.microsoft.com/office/powerpoint/2010/main" val="2267039461"/>
       </p:ext>
     </p:extLst>
   </p:cSld>
